--- a/BSaOR.pptx
+++ b/BSaOR.pptx
@@ -1633,18 +1633,10 @@
         <a:lstStyle/>
         <a:p>
           <a:r>
-            <a:rPr lang="es-ES" dirty="0" err="1" smtClean="0"/>
-            <a:t>Background</a:t>
+            <a:rPr lang="en-GB" noProof="0" dirty="0" smtClean="0"/>
+            <a:t>Background Subtraction</a:t>
           </a:r>
-          <a:r>
-            <a:rPr lang="es-ES" dirty="0" smtClean="0"/>
-            <a:t> </a:t>
-          </a:r>
-          <a:r>
-            <a:rPr lang="es-ES" dirty="0" err="1" smtClean="0"/>
-            <a:t>Substraction</a:t>
-          </a:r>
-          <a:endParaRPr lang="es-ES" dirty="0"/>
+          <a:endParaRPr lang="en-GB" noProof="0" dirty="0"/>
         </a:p>
       </dgm:t>
     </dgm:pt>
@@ -1682,10 +1674,10 @@
             <a:t> </a:t>
           </a:r>
           <a:r>
-            <a:rPr lang="es-ES" dirty="0" err="1" smtClean="0"/>
+            <a:rPr lang="en-GB" noProof="0" dirty="0" smtClean="0"/>
             <a:t>Contours</a:t>
           </a:r>
-          <a:endParaRPr lang="es-ES" dirty="0"/>
+          <a:endParaRPr lang="en-GB" noProof="0" dirty="0"/>
         </a:p>
       </dgm:t>
     </dgm:pt>
@@ -1719,18 +1711,10 @@
         <a:lstStyle/>
         <a:p>
           <a:r>
-            <a:rPr lang="es-ES" dirty="0" err="1" smtClean="0"/>
-            <a:t>Object</a:t>
+            <a:rPr lang="en-GB" noProof="0" dirty="0" smtClean="0"/>
+            <a:t>Object Segmentation</a:t>
           </a:r>
-          <a:r>
-            <a:rPr lang="es-ES" dirty="0" smtClean="0"/>
-            <a:t> </a:t>
-          </a:r>
-          <a:r>
-            <a:rPr lang="es-ES" dirty="0" err="1" smtClean="0"/>
-            <a:t>Segmentation</a:t>
-          </a:r>
-          <a:endParaRPr lang="es-ES" dirty="0"/>
+          <a:endParaRPr lang="en-GB" noProof="0" dirty="0"/>
         </a:p>
       </dgm:t>
     </dgm:pt>
@@ -1805,18 +1789,10 @@
         <a:lstStyle/>
         <a:p>
           <a:r>
-            <a:rPr lang="es-ES" dirty="0" err="1" smtClean="0"/>
-            <a:t>Object</a:t>
+            <a:rPr lang="en-GB" noProof="0" dirty="0" smtClean="0"/>
+            <a:t>Object Recognition</a:t>
           </a:r>
-          <a:r>
-            <a:rPr lang="es-ES" dirty="0" smtClean="0"/>
-            <a:t> </a:t>
-          </a:r>
-          <a:r>
-            <a:rPr lang="es-ES" dirty="0" err="1" smtClean="0"/>
-            <a:t>Recognition</a:t>
-          </a:r>
-          <a:endParaRPr lang="es-ES" dirty="0"/>
+          <a:endParaRPr lang="en-GB" noProof="0" dirty="0"/>
         </a:p>
       </dgm:t>
     </dgm:pt>
@@ -1849,19 +1825,12 @@
         <a:bodyPr/>
         <a:lstStyle/>
         <a:p>
+          <a:pPr algn="ctr"/>
           <a:r>
-            <a:rPr lang="es-ES" dirty="0" err="1" smtClean="0"/>
-            <a:t>Running</a:t>
+            <a:rPr lang="en-GB" noProof="0" dirty="0" smtClean="0"/>
+            <a:t>Running Average</a:t>
           </a:r>
-          <a:r>
-            <a:rPr lang="es-ES" dirty="0" smtClean="0"/>
-            <a:t> </a:t>
-          </a:r>
-          <a:r>
-            <a:rPr lang="es-ES" dirty="0" err="1" smtClean="0"/>
-            <a:t>Average</a:t>
-          </a:r>
-          <a:endParaRPr lang="es-ES" dirty="0"/>
+          <a:endParaRPr lang="en-GB" noProof="0" dirty="0"/>
         </a:p>
       </dgm:t>
     </dgm:pt>
@@ -2177,12 +2146,12 @@
         <a:lstStyle/>
         <a:p>
           <a:r>
-            <a:rPr lang="es-ES" dirty="0" err="1" smtClean="0"/>
-            <a:t>Substract</a:t>
+            <a:rPr lang="es-ES" dirty="0" smtClean="0"/>
+            <a:t>Compute </a:t>
           </a:r>
           <a:r>
-            <a:rPr lang="es-ES" dirty="0" smtClean="0"/>
-            <a:t> BG</a:t>
+            <a:rPr lang="es-ES" dirty="0" err="1" smtClean="0"/>
+            <a:t>Difference</a:t>
           </a:r>
           <a:endParaRPr lang="es-ES" dirty="0"/>
         </a:p>
@@ -2259,12 +2228,12 @@
         <a:lstStyle/>
         <a:p>
           <a:r>
-            <a:rPr lang="es-ES" dirty="0" err="1" smtClean="0"/>
-            <a:t>Substract</a:t>
+            <a:rPr lang="es-ES" dirty="0" smtClean="0"/>
+            <a:t>Compute </a:t>
           </a:r>
           <a:r>
-            <a:rPr lang="es-ES" dirty="0" smtClean="0"/>
-            <a:t> BG</a:t>
+            <a:rPr lang="es-ES" dirty="0" err="1" smtClean="0"/>
+            <a:t>Difference</a:t>
           </a:r>
           <a:endParaRPr lang="es-ES" dirty="0"/>
         </a:p>
@@ -2342,15 +2311,11 @@
         <a:p>
           <a:r>
             <a:rPr lang="es-ES" dirty="0" smtClean="0"/>
-            <a:t> </a:t>
+            <a:t>Compute </a:t>
           </a:r>
           <a:r>
             <a:rPr lang="es-ES" dirty="0" err="1" smtClean="0"/>
-            <a:t>Substract</a:t>
-          </a:r>
-          <a:r>
-            <a:rPr lang="es-ES" dirty="0" smtClean="0"/>
-            <a:t> BG</a:t>
+            <a:t>Difference</a:t>
           </a:r>
           <a:endParaRPr lang="es-ES" dirty="0"/>
         </a:p>
@@ -2541,19 +2506,19 @@
     </dgm:pt>
   </dgm:ptLst>
   <dgm:cxnLst>
+    <dgm:cxn modelId="{57568EC9-AC0E-47EE-9902-3696EDE4CBA1}" srcId="{F6EE7851-C99E-42E1-A7E5-87ECB45249D4}" destId="{F52AEB3E-45CE-4BCC-B453-6CAC410E04D7}" srcOrd="0" destOrd="0" parTransId="{A2F4F577-082A-425F-9DE2-A36D9DEF96C0}" sibTransId="{AC0D94FE-1DDF-4AF1-A20C-22C856948A85}"/>
+    <dgm:cxn modelId="{8400634A-2BE8-4D31-9609-D2F6A8EA8B8A}" srcId="{6F7B9366-2E62-4DA4-9CD1-1A82ABBA0760}" destId="{3D00C8E7-397E-452F-A16C-13089AAE4B0F}" srcOrd="0" destOrd="0" parTransId="{BFFDA095-DDC3-45F0-931F-EAC23DEFBB49}" sibTransId="{642BE7B0-1AA5-490E-A7F8-702DD25DE771}"/>
+    <dgm:cxn modelId="{3669D24A-DA0C-43B0-A748-11FDA113C41D}" type="presOf" srcId="{6F7B9366-2E62-4DA4-9CD1-1A82ABBA0760}" destId="{A4347F6C-0A0A-4C7F-BCA3-CFF69CD72302}" srcOrd="0" destOrd="0" presId="urn:microsoft.com/office/officeart/2009/3/layout/IncreasingArrowsProcess"/>
     <dgm:cxn modelId="{EC535102-454B-4F58-AD9E-A9C1B44F70A1}" type="presOf" srcId="{1A114840-A098-44F1-A1E8-A5DDE946BE98}" destId="{A3166FD1-E3E1-46A0-8054-8C8615213FC8}" srcOrd="0" destOrd="0" presId="urn:microsoft.com/office/officeart/2009/3/layout/IncreasingArrowsProcess"/>
-    <dgm:cxn modelId="{7FDFAC02-6E6E-4957-BE69-9680AC216157}" type="presOf" srcId="{3D00C8E7-397E-452F-A16C-13089AAE4B0F}" destId="{8185930C-B68A-44A9-AF48-591104627F6E}" srcOrd="0" destOrd="0" presId="urn:microsoft.com/office/officeart/2009/3/layout/IncreasingArrowsProcess"/>
     <dgm:cxn modelId="{225084B4-119E-4502-92A9-7D550E803704}" type="presOf" srcId="{BD775359-AE06-4F41-A561-6CD161F3FB51}" destId="{55580990-C586-4337-B3E2-F658C853F9DF}" srcOrd="0" destOrd="0" presId="urn:microsoft.com/office/officeart/2009/3/layout/IncreasingArrowsProcess"/>
+    <dgm:cxn modelId="{DB544C50-BF21-445D-AEE3-6E680DC9A813}" srcId="{6F7B9366-2E62-4DA4-9CD1-1A82ABBA0760}" destId="{F26D9AB4-87B3-47E2-BC7A-F73CB96CD5FA}" srcOrd="2" destOrd="0" parTransId="{A6AA4C81-A2B2-482E-AB7D-F7E1294D0442}" sibTransId="{10761EAD-B78E-466A-9FDC-3B625B99437D}"/>
     <dgm:cxn modelId="{30E5C2A5-4509-41FB-AAD0-448CAC345615}" srcId="{3D00C8E7-397E-452F-A16C-13089AAE4B0F}" destId="{1A114840-A098-44F1-A1E8-A5DDE946BE98}" srcOrd="0" destOrd="0" parTransId="{DCD6E51F-4EB8-4BB7-93F5-C70537641792}" sibTransId="{B5F192AC-EC16-4F33-9738-601DB03DFD79}"/>
     <dgm:cxn modelId="{7CEDF7A1-A9E4-4939-A61D-24B5E8AC3B15}" type="presOf" srcId="{F6EE7851-C99E-42E1-A7E5-87ECB45249D4}" destId="{04CC0CE8-796A-400A-AF96-B15EC4ED70F7}" srcOrd="0" destOrd="0" presId="urn:microsoft.com/office/officeart/2009/3/layout/IncreasingArrowsProcess"/>
-    <dgm:cxn modelId="{DB544C50-BF21-445D-AEE3-6E680DC9A813}" srcId="{6F7B9366-2E62-4DA4-9CD1-1A82ABBA0760}" destId="{F26D9AB4-87B3-47E2-BC7A-F73CB96CD5FA}" srcOrd="2" destOrd="0" parTransId="{A6AA4C81-A2B2-482E-AB7D-F7E1294D0442}" sibTransId="{10761EAD-B78E-466A-9FDC-3B625B99437D}"/>
+    <dgm:cxn modelId="{2E59C4D2-65A4-4F17-85E5-3AE9A252F195}" srcId="{6F7B9366-2E62-4DA4-9CD1-1A82ABBA0760}" destId="{F6EE7851-C99E-42E1-A7E5-87ECB45249D4}" srcOrd="1" destOrd="0" parTransId="{B4110E3A-AF04-4E18-809A-6D11E21E919C}" sibTransId="{1F768B62-AB46-4702-B60D-F6D0CE2A682D}"/>
+    <dgm:cxn modelId="{D8FCCBFD-5C31-457F-A140-85D4B36A6DC5}" type="presOf" srcId="{F52AEB3E-45CE-4BCC-B453-6CAC410E04D7}" destId="{A89AFF3D-79BD-43DE-887E-2A4E81F7B2E2}" srcOrd="0" destOrd="0" presId="urn:microsoft.com/office/officeart/2009/3/layout/IncreasingArrowsProcess"/>
+    <dgm:cxn modelId="{7FDFAC02-6E6E-4957-BE69-9680AC216157}" type="presOf" srcId="{3D00C8E7-397E-452F-A16C-13089AAE4B0F}" destId="{8185930C-B68A-44A9-AF48-591104627F6E}" srcOrd="0" destOrd="0" presId="urn:microsoft.com/office/officeart/2009/3/layout/IncreasingArrowsProcess"/>
     <dgm:cxn modelId="{8ADBE089-A87E-411F-80C1-487C036F0C5F}" srcId="{F26D9AB4-87B3-47E2-BC7A-F73CB96CD5FA}" destId="{BD775359-AE06-4F41-A561-6CD161F3FB51}" srcOrd="0" destOrd="0" parTransId="{80387DA8-A5BE-46AD-873C-C5A1C662EFAD}" sibTransId="{B346D684-BF00-4E3F-A82C-0F22B1A259CF}"/>
-    <dgm:cxn modelId="{2E59C4D2-65A4-4F17-85E5-3AE9A252F195}" srcId="{6F7B9366-2E62-4DA4-9CD1-1A82ABBA0760}" destId="{F6EE7851-C99E-42E1-A7E5-87ECB45249D4}" srcOrd="1" destOrd="0" parTransId="{B4110E3A-AF04-4E18-809A-6D11E21E919C}" sibTransId="{1F768B62-AB46-4702-B60D-F6D0CE2A682D}"/>
-    <dgm:cxn modelId="{8400634A-2BE8-4D31-9609-D2F6A8EA8B8A}" srcId="{6F7B9366-2E62-4DA4-9CD1-1A82ABBA0760}" destId="{3D00C8E7-397E-452F-A16C-13089AAE4B0F}" srcOrd="0" destOrd="0" parTransId="{BFFDA095-DDC3-45F0-931F-EAC23DEFBB49}" sibTransId="{642BE7B0-1AA5-490E-A7F8-702DD25DE771}"/>
     <dgm:cxn modelId="{3107D120-F885-466C-B566-C4FCB1942EB1}" type="presOf" srcId="{F26D9AB4-87B3-47E2-BC7A-F73CB96CD5FA}" destId="{64767A4A-738D-4555-8175-45549CA72A8A}" srcOrd="0" destOrd="0" presId="urn:microsoft.com/office/officeart/2009/3/layout/IncreasingArrowsProcess"/>
-    <dgm:cxn modelId="{3669D24A-DA0C-43B0-A748-11FDA113C41D}" type="presOf" srcId="{6F7B9366-2E62-4DA4-9CD1-1A82ABBA0760}" destId="{A4347F6C-0A0A-4C7F-BCA3-CFF69CD72302}" srcOrd="0" destOrd="0" presId="urn:microsoft.com/office/officeart/2009/3/layout/IncreasingArrowsProcess"/>
-    <dgm:cxn modelId="{D8FCCBFD-5C31-457F-A140-85D4B36A6DC5}" type="presOf" srcId="{F52AEB3E-45CE-4BCC-B453-6CAC410E04D7}" destId="{A89AFF3D-79BD-43DE-887E-2A4E81F7B2E2}" srcOrd="0" destOrd="0" presId="urn:microsoft.com/office/officeart/2009/3/layout/IncreasingArrowsProcess"/>
-    <dgm:cxn modelId="{57568EC9-AC0E-47EE-9902-3696EDE4CBA1}" srcId="{F6EE7851-C99E-42E1-A7E5-87ECB45249D4}" destId="{F52AEB3E-45CE-4BCC-B453-6CAC410E04D7}" srcOrd="0" destOrd="0" parTransId="{A2F4F577-082A-425F-9DE2-A36D9DEF96C0}" sibTransId="{AC0D94FE-1DDF-4AF1-A20C-22C856948A85}"/>
     <dgm:cxn modelId="{513A4A6C-E0E8-4696-8339-371A5A9246E4}" type="presParOf" srcId="{A4347F6C-0A0A-4C7F-BCA3-CFF69CD72302}" destId="{8185930C-B68A-44A9-AF48-591104627F6E}" srcOrd="0" destOrd="0" presId="urn:microsoft.com/office/officeart/2009/3/layout/IncreasingArrowsProcess"/>
     <dgm:cxn modelId="{601E7241-E4E6-4019-A38F-7C42B7F5F32F}" type="presParOf" srcId="{A4347F6C-0A0A-4C7F-BCA3-CFF69CD72302}" destId="{A3166FD1-E3E1-46A0-8054-8C8615213FC8}" srcOrd="1" destOrd="0" presId="urn:microsoft.com/office/officeart/2009/3/layout/IncreasingArrowsProcess"/>
     <dgm:cxn modelId="{27AE11B9-7752-4C96-BC9D-3C7BA279384C}" type="presParOf" srcId="{A4347F6C-0A0A-4C7F-BCA3-CFF69CD72302}" destId="{04CC0CE8-796A-400A-AF96-B15EC4ED70F7}" srcOrd="2" destOrd="0" presId="urn:microsoft.com/office/officeart/2009/3/layout/IncreasingArrowsProcess"/>
@@ -2579,567 +2544,6 @@
       <dsp:cNvGrpSpPr/>
     </dsp:nvGrpSpPr>
     <dsp:grpSpPr/>
-    <dsp:sp modelId="{52D3206F-58E5-4680-BB73-A0A063ECB94C}">
-      <dsp:nvSpPr>
-        <dsp:cNvPr id="0" name=""/>
-        <dsp:cNvSpPr/>
-      </dsp:nvSpPr>
-      <dsp:spPr>
-        <a:xfrm>
-          <a:off x="0" y="0"/>
-          <a:ext cx="3262929" cy="3124200"/>
-        </a:xfrm>
-        <a:prstGeom prst="roundRect">
-          <a:avLst>
-            <a:gd name="adj" fmla="val 5000"/>
-          </a:avLst>
-        </a:prstGeom>
-        <a:solidFill>
-          <a:schemeClr val="accent1">
-            <a:hueOff val="0"/>
-            <a:satOff val="0"/>
-            <a:lumOff val="0"/>
-            <a:alphaOff val="0"/>
-          </a:schemeClr>
-        </a:solidFill>
-        <a:ln>
-          <a:noFill/>
-        </a:ln>
-        <a:effectLst/>
-        <a:sp3d extrusionH="381000" contourW="38100" prstMaterial="matte">
-          <a:contourClr>
-            <a:schemeClr val="lt1"/>
-          </a:contourClr>
-        </a:sp3d>
-      </dsp:spPr>
-      <dsp:style>
-        <a:lnRef idx="0">
-          <a:scrgbClr r="0" g="0" b="0"/>
-        </a:lnRef>
-        <a:fillRef idx="1">
-          <a:scrgbClr r="0" g="0" b="0"/>
-        </a:fillRef>
-        <a:effectRef idx="0">
-          <a:scrgbClr r="0" g="0" b="0"/>
-        </a:effectRef>
-        <a:fontRef idx="minor">
-          <a:schemeClr val="lt1"/>
-        </a:fontRef>
-      </dsp:style>
-      <dsp:txBody>
-        <a:bodyPr spcFirstLastPara="0" vert="horz" wrap="square" lIns="0" tIns="89154" rIns="115570" bIns="0" numCol="1" spcCol="1270" anchor="t" anchorCtr="0">
-          <a:noAutofit/>
-        </a:bodyPr>
-        <a:lstStyle/>
-        <a:p>
-          <a:pPr lvl="0" algn="r" defTabSz="1155700">
-            <a:lnSpc>
-              <a:spcPct val="90000"/>
-            </a:lnSpc>
-            <a:spcBef>
-              <a:spcPct val="0"/>
-            </a:spcBef>
-            <a:spcAft>
-              <a:spcPct val="35000"/>
-            </a:spcAft>
-          </a:pPr>
-          <a:r>
-            <a:rPr lang="es-ES" sz="2600" kern="1200" dirty="0" err="1" smtClean="0"/>
-            <a:t>Running</a:t>
-          </a:r>
-          <a:r>
-            <a:rPr lang="es-ES" sz="2600" kern="1200" dirty="0" smtClean="0"/>
-            <a:t> </a:t>
-          </a:r>
-          <a:r>
-            <a:rPr lang="es-ES" sz="2600" kern="1200" dirty="0" err="1" smtClean="0"/>
-            <a:t>Average</a:t>
-          </a:r>
-          <a:endParaRPr lang="es-ES" sz="2600" kern="1200" dirty="0"/>
-        </a:p>
-      </dsp:txBody>
-      <dsp:txXfrm rot="16200000">
-        <a:off x="-954629" y="954629"/>
-        <a:ext cx="2561844" cy="652585"/>
-      </dsp:txXfrm>
-    </dsp:sp>
-    <dsp:sp modelId="{69085F57-FA3C-45A2-A308-18FE791A6166}">
-      <dsp:nvSpPr>
-        <dsp:cNvPr id="0" name=""/>
-        <dsp:cNvSpPr/>
-      </dsp:nvSpPr>
-      <dsp:spPr>
-        <a:xfrm>
-          <a:off x="652585" y="0"/>
-          <a:ext cx="2430882" cy="3124200"/>
-        </a:xfrm>
-        <a:prstGeom prst="rect">
-          <a:avLst/>
-        </a:prstGeom>
-        <a:noFill/>
-        <a:ln>
-          <a:noFill/>
-        </a:ln>
-        <a:effectLst/>
-        <a:sp3d/>
-      </dsp:spPr>
-      <dsp:style>
-        <a:lnRef idx="0">
-          <a:scrgbClr r="0" g="0" b="0"/>
-        </a:lnRef>
-        <a:fillRef idx="1">
-          <a:scrgbClr r="0" g="0" b="0"/>
-        </a:fillRef>
-        <a:effectRef idx="0">
-          <a:scrgbClr r="0" g="0" b="0"/>
-        </a:effectRef>
-        <a:fontRef idx="minor">
-          <a:schemeClr val="lt1"/>
-        </a:fontRef>
-      </dsp:style>
-      <dsp:txBody>
-        <a:bodyPr spcFirstLastPara="0" vert="horz" wrap="square" lIns="0" tIns="109728" rIns="0" bIns="0" numCol="1" spcCol="1270" anchor="t" anchorCtr="0">
-          <a:noAutofit/>
-        </a:bodyPr>
-        <a:lstStyle/>
-        <a:p>
-          <a:pPr lvl="0" algn="l" defTabSz="1422400">
-            <a:lnSpc>
-              <a:spcPct val="90000"/>
-            </a:lnSpc>
-            <a:spcBef>
-              <a:spcPct val="0"/>
-            </a:spcBef>
-            <a:spcAft>
-              <a:spcPct val="35000"/>
-            </a:spcAft>
-          </a:pPr>
-          <a:r>
-            <a:rPr lang="es-ES" sz="3200" kern="1200" dirty="0" err="1" smtClean="0"/>
-            <a:t>Background</a:t>
-          </a:r>
-          <a:r>
-            <a:rPr lang="es-ES" sz="3200" kern="1200" dirty="0" smtClean="0"/>
-            <a:t> </a:t>
-          </a:r>
-          <a:r>
-            <a:rPr lang="es-ES" sz="3200" kern="1200" dirty="0" err="1" smtClean="0"/>
-            <a:t>Substraction</a:t>
-          </a:r>
-          <a:endParaRPr lang="es-ES" sz="3200" kern="1200" dirty="0"/>
-        </a:p>
-      </dsp:txBody>
-      <dsp:txXfrm>
-        <a:off x="652585" y="0"/>
-        <a:ext cx="2430882" cy="3124200"/>
-      </dsp:txXfrm>
-    </dsp:sp>
-    <dsp:sp modelId="{A4F0A3E9-2F26-4C12-97DE-68F6037D1B58}">
-      <dsp:nvSpPr>
-        <dsp:cNvPr id="0" name=""/>
-        <dsp:cNvSpPr/>
-      </dsp:nvSpPr>
-      <dsp:spPr>
-        <a:xfrm>
-          <a:off x="3377890" y="0"/>
-          <a:ext cx="3262929" cy="3124200"/>
-        </a:xfrm>
-        <a:prstGeom prst="roundRect">
-          <a:avLst>
-            <a:gd name="adj" fmla="val 5000"/>
-          </a:avLst>
-        </a:prstGeom>
-        <a:solidFill>
-          <a:schemeClr val="accent1">
-            <a:hueOff val="0"/>
-            <a:satOff val="0"/>
-            <a:lumOff val="0"/>
-            <a:alphaOff val="0"/>
-          </a:schemeClr>
-        </a:solidFill>
-        <a:ln>
-          <a:noFill/>
-        </a:ln>
-        <a:effectLst/>
-        <a:sp3d extrusionH="381000" contourW="38100" prstMaterial="matte">
-          <a:contourClr>
-            <a:schemeClr val="lt1"/>
-          </a:contourClr>
-        </a:sp3d>
-      </dsp:spPr>
-      <dsp:style>
-        <a:lnRef idx="0">
-          <a:scrgbClr r="0" g="0" b="0"/>
-        </a:lnRef>
-        <a:fillRef idx="1">
-          <a:scrgbClr r="0" g="0" b="0"/>
-        </a:fillRef>
-        <a:effectRef idx="0">
-          <a:scrgbClr r="0" g="0" b="0"/>
-        </a:effectRef>
-        <a:fontRef idx="minor">
-          <a:schemeClr val="lt1"/>
-        </a:fontRef>
-      </dsp:style>
-      <dsp:txBody>
-        <a:bodyPr spcFirstLastPara="0" vert="horz" wrap="square" lIns="0" tIns="89154" rIns="115570" bIns="0" numCol="1" spcCol="1270" anchor="t" anchorCtr="0">
-          <a:noAutofit/>
-        </a:bodyPr>
-        <a:lstStyle/>
-        <a:p>
-          <a:pPr lvl="0" algn="r" defTabSz="1155700">
-            <a:lnSpc>
-              <a:spcPct val="90000"/>
-            </a:lnSpc>
-            <a:spcBef>
-              <a:spcPct val="0"/>
-            </a:spcBef>
-            <a:spcAft>
-              <a:spcPct val="35000"/>
-            </a:spcAft>
-          </a:pPr>
-          <a:r>
-            <a:rPr lang="es-ES" sz="2600" kern="1200" dirty="0" smtClean="0"/>
-            <a:t> </a:t>
-          </a:r>
-          <a:r>
-            <a:rPr lang="es-ES" sz="2600" kern="1200" dirty="0" err="1" smtClean="0"/>
-            <a:t>Contours</a:t>
-          </a:r>
-          <a:endParaRPr lang="es-ES" sz="2600" kern="1200" dirty="0"/>
-        </a:p>
-      </dsp:txBody>
-      <dsp:txXfrm rot="16200000">
-        <a:off x="2423261" y="954629"/>
-        <a:ext cx="2561844" cy="652585"/>
-      </dsp:txXfrm>
-    </dsp:sp>
-    <dsp:sp modelId="{847E4420-6B04-4CCB-92D8-C1E5E7DFF74D}">
-      <dsp:nvSpPr>
-        <dsp:cNvPr id="0" name=""/>
-        <dsp:cNvSpPr/>
-      </dsp:nvSpPr>
-      <dsp:spPr>
-        <a:xfrm rot="5400000">
-          <a:off x="3164528" y="2434845"/>
-          <a:ext cx="459353" cy="489439"/>
-        </a:xfrm>
-        <a:prstGeom prst="flowChartExtract">
-          <a:avLst/>
-        </a:prstGeom>
-        <a:solidFill>
-          <a:schemeClr val="lt1">
-            <a:hueOff val="0"/>
-            <a:satOff val="0"/>
-            <a:lumOff val="0"/>
-            <a:alphaOff val="0"/>
-          </a:schemeClr>
-        </a:solidFill>
-        <a:ln w="9525" cap="rnd" cmpd="sng" algn="ctr">
-          <a:solidFill>
-            <a:schemeClr val="accent1">
-              <a:hueOff val="0"/>
-              <a:satOff val="0"/>
-              <a:lumOff val="0"/>
-              <a:alphaOff val="0"/>
-            </a:schemeClr>
-          </a:solidFill>
-          <a:prstDash val="solid"/>
-        </a:ln>
-        <a:effectLst>
-          <a:reflection blurRad="12700" stA="26000" endPos="32000" dist="12700" dir="5400000" sy="-100000" rotWithShape="0"/>
-        </a:effectLst>
-        <a:sp3d z="57150" extrusionH="12700" prstMaterial="flat">
-          <a:bevelT w="50800" h="50800"/>
-        </a:sp3d>
-      </dsp:spPr>
-      <dsp:style>
-        <a:lnRef idx="1">
-          <a:scrgbClr r="0" g="0" b="0"/>
-        </a:lnRef>
-        <a:fillRef idx="1">
-          <a:scrgbClr r="0" g="0" b="0"/>
-        </a:fillRef>
-        <a:effectRef idx="2">
-          <a:scrgbClr r="0" g="0" b="0"/>
-        </a:effectRef>
-        <a:fontRef idx="minor"/>
-      </dsp:style>
-    </dsp:sp>
-    <dsp:sp modelId="{5250D16D-D171-4A7D-BA2A-EEB88F2A6384}">
-      <dsp:nvSpPr>
-        <dsp:cNvPr id="0" name=""/>
-        <dsp:cNvSpPr/>
-      </dsp:nvSpPr>
-      <dsp:spPr>
-        <a:xfrm>
-          <a:off x="4030476" y="0"/>
-          <a:ext cx="2430882" cy="3124200"/>
-        </a:xfrm>
-        <a:prstGeom prst="rect">
-          <a:avLst/>
-        </a:prstGeom>
-        <a:noFill/>
-        <a:ln>
-          <a:noFill/>
-        </a:ln>
-        <a:effectLst/>
-        <a:sp3d/>
-      </dsp:spPr>
-      <dsp:style>
-        <a:lnRef idx="0">
-          <a:scrgbClr r="0" g="0" b="0"/>
-        </a:lnRef>
-        <a:fillRef idx="1">
-          <a:scrgbClr r="0" g="0" b="0"/>
-        </a:fillRef>
-        <a:effectRef idx="0">
-          <a:scrgbClr r="0" g="0" b="0"/>
-        </a:effectRef>
-        <a:fontRef idx="minor">
-          <a:schemeClr val="lt1"/>
-        </a:fontRef>
-      </dsp:style>
-      <dsp:txBody>
-        <a:bodyPr spcFirstLastPara="0" vert="horz" wrap="square" lIns="0" tIns="109728" rIns="0" bIns="0" numCol="1" spcCol="1270" anchor="t" anchorCtr="0">
-          <a:noAutofit/>
-        </a:bodyPr>
-        <a:lstStyle/>
-        <a:p>
-          <a:pPr lvl="0" algn="l" defTabSz="1422400">
-            <a:lnSpc>
-              <a:spcPct val="90000"/>
-            </a:lnSpc>
-            <a:spcBef>
-              <a:spcPct val="0"/>
-            </a:spcBef>
-            <a:spcAft>
-              <a:spcPct val="35000"/>
-            </a:spcAft>
-          </a:pPr>
-          <a:r>
-            <a:rPr lang="es-ES" sz="3200" kern="1200" dirty="0" err="1" smtClean="0"/>
-            <a:t>Object</a:t>
-          </a:r>
-          <a:r>
-            <a:rPr lang="es-ES" sz="3200" kern="1200" dirty="0" smtClean="0"/>
-            <a:t> </a:t>
-          </a:r>
-          <a:r>
-            <a:rPr lang="es-ES" sz="3200" kern="1200" dirty="0" err="1" smtClean="0"/>
-            <a:t>Segmentation</a:t>
-          </a:r>
-          <a:endParaRPr lang="es-ES" sz="3200" kern="1200" dirty="0"/>
-        </a:p>
-      </dsp:txBody>
-      <dsp:txXfrm>
-        <a:off x="4030476" y="0"/>
-        <a:ext cx="2430882" cy="3124200"/>
-      </dsp:txXfrm>
-    </dsp:sp>
-    <dsp:sp modelId="{0628EB3F-EEF1-44BE-83ED-61D26406A3C7}">
-      <dsp:nvSpPr>
-        <dsp:cNvPr id="0" name=""/>
-        <dsp:cNvSpPr/>
-      </dsp:nvSpPr>
-      <dsp:spPr>
-        <a:xfrm>
-          <a:off x="6755773" y="0"/>
-          <a:ext cx="3262929" cy="3124200"/>
-        </a:xfrm>
-        <a:prstGeom prst="roundRect">
-          <a:avLst>
-            <a:gd name="adj" fmla="val 5000"/>
-          </a:avLst>
-        </a:prstGeom>
-        <a:solidFill>
-          <a:schemeClr val="accent1">
-            <a:hueOff val="0"/>
-            <a:satOff val="0"/>
-            <a:lumOff val="0"/>
-            <a:alphaOff val="0"/>
-          </a:schemeClr>
-        </a:solidFill>
-        <a:ln>
-          <a:noFill/>
-        </a:ln>
-        <a:effectLst/>
-        <a:sp3d extrusionH="381000" contourW="38100" prstMaterial="matte">
-          <a:contourClr>
-            <a:schemeClr val="lt1"/>
-          </a:contourClr>
-        </a:sp3d>
-      </dsp:spPr>
-      <dsp:style>
-        <a:lnRef idx="0">
-          <a:scrgbClr r="0" g="0" b="0"/>
-        </a:lnRef>
-        <a:fillRef idx="1">
-          <a:scrgbClr r="0" g="0" b="0"/>
-        </a:fillRef>
-        <a:effectRef idx="0">
-          <a:scrgbClr r="0" g="0" b="0"/>
-        </a:effectRef>
-        <a:fontRef idx="minor">
-          <a:schemeClr val="lt1"/>
-        </a:fontRef>
-      </dsp:style>
-      <dsp:txBody>
-        <a:bodyPr spcFirstLastPara="0" vert="horz" wrap="square" lIns="0" tIns="89154" rIns="115570" bIns="0" numCol="1" spcCol="1270" anchor="t" anchorCtr="0">
-          <a:noAutofit/>
-        </a:bodyPr>
-        <a:lstStyle/>
-        <a:p>
-          <a:pPr lvl="0" algn="r" defTabSz="1155700">
-            <a:lnSpc>
-              <a:spcPct val="90000"/>
-            </a:lnSpc>
-            <a:spcBef>
-              <a:spcPct val="0"/>
-            </a:spcBef>
-            <a:spcAft>
-              <a:spcPct val="35000"/>
-            </a:spcAft>
-          </a:pPr>
-          <a:r>
-            <a:rPr lang="es-ES" sz="2600" kern="1200" dirty="0" err="1" smtClean="0"/>
-            <a:t>Conv</a:t>
-          </a:r>
-          <a:r>
-            <a:rPr lang="es-ES" sz="2600" kern="1200" dirty="0" smtClean="0"/>
-            <a:t>. Neural Net.</a:t>
-          </a:r>
-          <a:endParaRPr lang="es-ES" sz="2600" kern="1200" dirty="0"/>
-        </a:p>
-      </dsp:txBody>
-      <dsp:txXfrm rot="16200000">
-        <a:off x="5801144" y="954629"/>
-        <a:ext cx="2561844" cy="652585"/>
-      </dsp:txXfrm>
-    </dsp:sp>
-    <dsp:sp modelId="{F89F221C-F495-439C-830F-78E40CE497DC}">
-      <dsp:nvSpPr>
-        <dsp:cNvPr id="0" name=""/>
-        <dsp:cNvSpPr/>
-      </dsp:nvSpPr>
-      <dsp:spPr>
-        <a:xfrm rot="5400000">
-          <a:off x="6541660" y="2434845"/>
-          <a:ext cx="459353" cy="489439"/>
-        </a:xfrm>
-        <a:prstGeom prst="flowChartExtract">
-          <a:avLst/>
-        </a:prstGeom>
-        <a:solidFill>
-          <a:schemeClr val="lt1">
-            <a:hueOff val="0"/>
-            <a:satOff val="0"/>
-            <a:lumOff val="0"/>
-            <a:alphaOff val="0"/>
-          </a:schemeClr>
-        </a:solidFill>
-        <a:ln w="9525" cap="rnd" cmpd="sng" algn="ctr">
-          <a:solidFill>
-            <a:schemeClr val="accent1">
-              <a:hueOff val="0"/>
-              <a:satOff val="0"/>
-              <a:lumOff val="0"/>
-              <a:alphaOff val="0"/>
-            </a:schemeClr>
-          </a:solidFill>
-          <a:prstDash val="solid"/>
-        </a:ln>
-        <a:effectLst>
-          <a:reflection blurRad="12700" stA="26000" endPos="32000" dist="12700" dir="5400000" sy="-100000" rotWithShape="0"/>
-        </a:effectLst>
-        <a:sp3d z="57150" extrusionH="12700" prstMaterial="flat">
-          <a:bevelT w="50800" h="50800"/>
-        </a:sp3d>
-      </dsp:spPr>
-      <dsp:style>
-        <a:lnRef idx="1">
-          <a:scrgbClr r="0" g="0" b="0"/>
-        </a:lnRef>
-        <a:fillRef idx="1">
-          <a:scrgbClr r="0" g="0" b="0"/>
-        </a:fillRef>
-        <a:effectRef idx="2">
-          <a:scrgbClr r="0" g="0" b="0"/>
-        </a:effectRef>
-        <a:fontRef idx="minor"/>
-      </dsp:style>
-    </dsp:sp>
-    <dsp:sp modelId="{5703AEDA-A93E-4881-9EF7-787B0F934774}">
-      <dsp:nvSpPr>
-        <dsp:cNvPr id="0" name=""/>
-        <dsp:cNvSpPr/>
-      </dsp:nvSpPr>
-      <dsp:spPr>
-        <a:xfrm>
-          <a:off x="7408359" y="0"/>
-          <a:ext cx="2430882" cy="3124200"/>
-        </a:xfrm>
-        <a:prstGeom prst="rect">
-          <a:avLst/>
-        </a:prstGeom>
-        <a:noFill/>
-        <a:ln>
-          <a:noFill/>
-        </a:ln>
-        <a:effectLst/>
-        <a:sp3d/>
-      </dsp:spPr>
-      <dsp:style>
-        <a:lnRef idx="0">
-          <a:scrgbClr r="0" g="0" b="0"/>
-        </a:lnRef>
-        <a:fillRef idx="1">
-          <a:scrgbClr r="0" g="0" b="0"/>
-        </a:fillRef>
-        <a:effectRef idx="0">
-          <a:scrgbClr r="0" g="0" b="0"/>
-        </a:effectRef>
-        <a:fontRef idx="minor">
-          <a:schemeClr val="lt1"/>
-        </a:fontRef>
-      </dsp:style>
-      <dsp:txBody>
-        <a:bodyPr spcFirstLastPara="0" vert="horz" wrap="square" lIns="0" tIns="109728" rIns="0" bIns="0" numCol="1" spcCol="1270" anchor="t" anchorCtr="0">
-          <a:noAutofit/>
-        </a:bodyPr>
-        <a:lstStyle/>
-        <a:p>
-          <a:pPr lvl="0" algn="l" defTabSz="1422400">
-            <a:lnSpc>
-              <a:spcPct val="90000"/>
-            </a:lnSpc>
-            <a:spcBef>
-              <a:spcPct val="0"/>
-            </a:spcBef>
-            <a:spcAft>
-              <a:spcPct val="35000"/>
-            </a:spcAft>
-          </a:pPr>
-          <a:r>
-            <a:rPr lang="es-ES" sz="3200" kern="1200" dirty="0" err="1" smtClean="0"/>
-            <a:t>Object</a:t>
-          </a:r>
-          <a:r>
-            <a:rPr lang="es-ES" sz="3200" kern="1200" dirty="0" smtClean="0"/>
-            <a:t> </a:t>
-          </a:r>
-          <a:r>
-            <a:rPr lang="es-ES" sz="3200" kern="1200" dirty="0" err="1" smtClean="0"/>
-            <a:t>Recognition</a:t>
-          </a:r>
-          <a:endParaRPr lang="es-ES" sz="3200" kern="1200" dirty="0"/>
-        </a:p>
-      </dsp:txBody>
-      <dsp:txXfrm>
-        <a:off x="7408359" y="0"/>
-        <a:ext cx="2430882" cy="3124200"/>
-      </dsp:txXfrm>
-    </dsp:sp>
   </dsp:spTree>
 </dsp:drawing>
 </file>
@@ -3204,12 +2608,12 @@
         </a:fontRef>
       </dsp:style>
       <dsp:txBody>
-        <a:bodyPr spcFirstLastPara="0" vert="horz" wrap="square" lIns="45720" tIns="45720" rIns="254000" bIns="100000" numCol="1" spcCol="1270" anchor="ctr" anchorCtr="0">
+        <a:bodyPr spcFirstLastPara="0" vert="horz" wrap="square" lIns="41910" tIns="41910" rIns="254000" bIns="100000" numCol="1" spcCol="1270" anchor="ctr" anchorCtr="0">
           <a:noAutofit/>
         </a:bodyPr>
         <a:lstStyle/>
         <a:p>
-          <a:pPr lvl="0" algn="l" defTabSz="533400">
+          <a:pPr lvl="0" algn="l" defTabSz="488950">
             <a:lnSpc>
               <a:spcPct val="90000"/>
             </a:lnSpc>
@@ -3221,14 +2625,14 @@
             </a:spcAft>
           </a:pPr>
           <a:r>
-            <a:rPr lang="es-ES" sz="1200" kern="1200" dirty="0" err="1" smtClean="0"/>
-            <a:t>Substract</a:t>
+            <a:rPr lang="es-ES" sz="1100" kern="1200" dirty="0" smtClean="0"/>
+            <a:t>Compute </a:t>
           </a:r>
           <a:r>
-            <a:rPr lang="es-ES" sz="1200" kern="1200" dirty="0" smtClean="0"/>
-            <a:t> BG</a:t>
+            <a:rPr lang="es-ES" sz="1100" kern="1200" dirty="0" err="1" smtClean="0"/>
+            <a:t>Difference</a:t>
           </a:r>
-          <a:endParaRPr lang="es-ES" sz="1200" kern="1200" dirty="0"/>
+          <a:endParaRPr lang="es-ES" sz="1100" kern="1200" dirty="0"/>
         </a:p>
       </dsp:txBody>
       <dsp:txXfrm>
@@ -3367,12 +2771,12 @@
         </a:fontRef>
       </dsp:style>
       <dsp:txBody>
-        <a:bodyPr spcFirstLastPara="0" vert="horz" wrap="square" lIns="45720" tIns="45720" rIns="254000" bIns="100000" numCol="1" spcCol="1270" anchor="ctr" anchorCtr="0">
+        <a:bodyPr spcFirstLastPara="0" vert="horz" wrap="square" lIns="41910" tIns="41910" rIns="254000" bIns="100000" numCol="1" spcCol="1270" anchor="ctr" anchorCtr="0">
           <a:noAutofit/>
         </a:bodyPr>
         <a:lstStyle/>
         <a:p>
-          <a:pPr lvl="0" algn="l" defTabSz="533400">
+          <a:pPr lvl="0" algn="l" defTabSz="488950">
             <a:lnSpc>
               <a:spcPct val="90000"/>
             </a:lnSpc>
@@ -3384,14 +2788,14 @@
             </a:spcAft>
           </a:pPr>
           <a:r>
-            <a:rPr lang="es-ES" sz="1200" kern="1200" dirty="0" err="1" smtClean="0"/>
-            <a:t>Substract</a:t>
+            <a:rPr lang="es-ES" sz="1100" kern="1200" dirty="0" smtClean="0"/>
+            <a:t>Compute </a:t>
           </a:r>
           <a:r>
-            <a:rPr lang="es-ES" sz="1200" kern="1200" dirty="0" smtClean="0"/>
-            <a:t> BG</a:t>
+            <a:rPr lang="es-ES" sz="1100" kern="1200" dirty="0" err="1" smtClean="0"/>
+            <a:t>Difference</a:t>
           </a:r>
-          <a:endParaRPr lang="es-ES" sz="1200" kern="1200" dirty="0"/>
+          <a:endParaRPr lang="es-ES" sz="1100" kern="1200" dirty="0"/>
         </a:p>
       </dsp:txBody>
       <dsp:txXfrm>
@@ -3530,12 +2934,12 @@
         </a:fontRef>
       </dsp:style>
       <dsp:txBody>
-        <a:bodyPr spcFirstLastPara="0" vert="horz" wrap="square" lIns="45720" tIns="45720" rIns="254000" bIns="100000" numCol="1" spcCol="1270" anchor="ctr" anchorCtr="0">
+        <a:bodyPr spcFirstLastPara="0" vert="horz" wrap="square" lIns="41910" tIns="41910" rIns="254000" bIns="100000" numCol="1" spcCol="1270" anchor="ctr" anchorCtr="0">
           <a:noAutofit/>
         </a:bodyPr>
         <a:lstStyle/>
         <a:p>
-          <a:pPr lvl="0" algn="l" defTabSz="533400">
+          <a:pPr lvl="0" algn="l" defTabSz="488950">
             <a:lnSpc>
               <a:spcPct val="90000"/>
             </a:lnSpc>
@@ -3547,18 +2951,14 @@
             </a:spcAft>
           </a:pPr>
           <a:r>
-            <a:rPr lang="es-ES" sz="1200" kern="1200" dirty="0" smtClean="0"/>
-            <a:t> </a:t>
+            <a:rPr lang="es-ES" sz="1100" kern="1200" dirty="0" smtClean="0"/>
+            <a:t>Compute </a:t>
           </a:r>
           <a:r>
-            <a:rPr lang="es-ES" sz="1200" kern="1200" dirty="0" err="1" smtClean="0"/>
-            <a:t>Substract</a:t>
+            <a:rPr lang="es-ES" sz="1100" kern="1200" dirty="0" err="1" smtClean="0"/>
+            <a:t>Difference</a:t>
           </a:r>
-          <a:r>
-            <a:rPr lang="es-ES" sz="1200" kern="1200" dirty="0" smtClean="0"/>
-            <a:t> BG</a:t>
-          </a:r>
-          <a:endParaRPr lang="es-ES" sz="1200" kern="1200" dirty="0"/>
+          <a:endParaRPr lang="es-ES" sz="1100" kern="1200" dirty="0"/>
         </a:p>
       </dsp:txBody>
       <dsp:txXfrm>
@@ -7901,7 +7301,7 @@
           <a:p>
             <a:fld id="{4449FA06-FD21-4DBB-B6CF-A10E5BB8083C}" type="datetimeFigureOut">
               <a:rPr lang="es-ES" smtClean="0"/>
-              <a:t>11/12/2014</a:t>
+              <a:t>16/12/2014</a:t>
             </a:fld>
             <a:endParaRPr lang="es-ES"/>
           </a:p>
@@ -8197,7 +7597,7 @@
           <a:p>
             <a:fld id="{4449FA06-FD21-4DBB-B6CF-A10E5BB8083C}" type="datetimeFigureOut">
               <a:rPr lang="es-ES" smtClean="0"/>
-              <a:t>11/12/2014</a:t>
+              <a:t>16/12/2014</a:t>
             </a:fld>
             <a:endParaRPr lang="es-ES"/>
           </a:p>
@@ -8445,7 +7845,7 @@
           <a:p>
             <a:fld id="{4449FA06-FD21-4DBB-B6CF-A10E5BB8083C}" type="datetimeFigureOut">
               <a:rPr lang="es-ES" smtClean="0"/>
-              <a:t>11/12/2014</a:t>
+              <a:t>16/12/2014</a:t>
             </a:fld>
             <a:endParaRPr lang="es-ES"/>
           </a:p>
@@ -8985,7 +8385,7 @@
           <a:p>
             <a:fld id="{4449FA06-FD21-4DBB-B6CF-A10E5BB8083C}" type="datetimeFigureOut">
               <a:rPr lang="es-ES" smtClean="0"/>
-              <a:t>11/12/2014</a:t>
+              <a:t>16/12/2014</a:t>
             </a:fld>
             <a:endParaRPr lang="es-ES"/>
           </a:p>
@@ -9233,7 +8633,7 @@
           <a:p>
             <a:fld id="{4449FA06-FD21-4DBB-B6CF-A10E5BB8083C}" type="datetimeFigureOut">
               <a:rPr lang="es-ES" smtClean="0"/>
-              <a:t>11/12/2014</a:t>
+              <a:t>16/12/2014</a:t>
             </a:fld>
             <a:endParaRPr lang="es-ES"/>
           </a:p>
@@ -9765,7 +9165,7 @@
           <a:p>
             <a:fld id="{4449FA06-FD21-4DBB-B6CF-A10E5BB8083C}" type="datetimeFigureOut">
               <a:rPr lang="es-ES" smtClean="0"/>
-              <a:t>11/12/2014</a:t>
+              <a:t>16/12/2014</a:t>
             </a:fld>
             <a:endParaRPr lang="es-ES"/>
           </a:p>
@@ -10062,7 +9462,7 @@
           <a:p>
             <a:fld id="{4449FA06-FD21-4DBB-B6CF-A10E5BB8083C}" type="datetimeFigureOut">
               <a:rPr lang="es-ES" smtClean="0"/>
-              <a:t>11/12/2014</a:t>
+              <a:t>16/12/2014</a:t>
             </a:fld>
             <a:endParaRPr lang="es-ES"/>
           </a:p>
@@ -10236,7 +9636,7 @@
           <a:p>
             <a:fld id="{4449FA06-FD21-4DBB-B6CF-A10E5BB8083C}" type="datetimeFigureOut">
               <a:rPr lang="es-ES" smtClean="0"/>
-              <a:t>11/12/2014</a:t>
+              <a:t>16/12/2014</a:t>
             </a:fld>
             <a:endParaRPr lang="es-ES"/>
           </a:p>
@@ -10416,7 +9816,7 @@
           <a:p>
             <a:fld id="{4449FA06-FD21-4DBB-B6CF-A10E5BB8083C}" type="datetimeFigureOut">
               <a:rPr lang="es-ES" smtClean="0"/>
-              <a:t>11/12/2014</a:t>
+              <a:t>16/12/2014</a:t>
             </a:fld>
             <a:endParaRPr lang="es-ES"/>
           </a:p>
@@ -10586,7 +9986,7 @@
           <a:p>
             <a:fld id="{4449FA06-FD21-4DBB-B6CF-A10E5BB8083C}" type="datetimeFigureOut">
               <a:rPr lang="es-ES" smtClean="0"/>
-              <a:t>11/12/2014</a:t>
+              <a:t>16/12/2014</a:t>
             </a:fld>
             <a:endParaRPr lang="es-ES"/>
           </a:p>
@@ -10837,7 +10237,7 @@
           <a:p>
             <a:fld id="{4449FA06-FD21-4DBB-B6CF-A10E5BB8083C}" type="datetimeFigureOut">
               <a:rPr lang="es-ES" smtClean="0"/>
-              <a:t>11/12/2014</a:t>
+              <a:t>16/12/2014</a:t>
             </a:fld>
             <a:endParaRPr lang="es-ES"/>
           </a:p>
@@ -11134,7 +10534,7 @@
           <a:p>
             <a:fld id="{4449FA06-FD21-4DBB-B6CF-A10E5BB8083C}" type="datetimeFigureOut">
               <a:rPr lang="es-ES" smtClean="0"/>
-              <a:t>11/12/2014</a:t>
+              <a:t>16/12/2014</a:t>
             </a:fld>
             <a:endParaRPr lang="es-ES"/>
           </a:p>
@@ -11576,7 +10976,7 @@
           <a:p>
             <a:fld id="{4449FA06-FD21-4DBB-B6CF-A10E5BB8083C}" type="datetimeFigureOut">
               <a:rPr lang="es-ES" smtClean="0"/>
-              <a:t>11/12/2014</a:t>
+              <a:t>16/12/2014</a:t>
             </a:fld>
             <a:endParaRPr lang="es-ES"/>
           </a:p>
@@ -11694,7 +11094,7 @@
           <a:p>
             <a:fld id="{4449FA06-FD21-4DBB-B6CF-A10E5BB8083C}" type="datetimeFigureOut">
               <a:rPr lang="es-ES" smtClean="0"/>
-              <a:t>11/12/2014</a:t>
+              <a:t>16/12/2014</a:t>
             </a:fld>
             <a:endParaRPr lang="es-ES"/>
           </a:p>
@@ -11789,7 +11189,7 @@
           <a:p>
             <a:fld id="{4449FA06-FD21-4DBB-B6CF-A10E5BB8083C}" type="datetimeFigureOut">
               <a:rPr lang="es-ES" smtClean="0"/>
-              <a:t>11/12/2014</a:t>
+              <a:t>16/12/2014</a:t>
             </a:fld>
             <a:endParaRPr lang="es-ES"/>
           </a:p>
@@ -12072,7 +11472,7 @@
           <a:p>
             <a:fld id="{4449FA06-FD21-4DBB-B6CF-A10E5BB8083C}" type="datetimeFigureOut">
               <a:rPr lang="es-ES" smtClean="0"/>
-              <a:t>11/12/2014</a:t>
+              <a:t>16/12/2014</a:t>
             </a:fld>
             <a:endParaRPr lang="es-ES"/>
           </a:p>
@@ -12363,7 +11763,7 @@
           <a:p>
             <a:fld id="{4449FA06-FD21-4DBB-B6CF-A10E5BB8083C}" type="datetimeFigureOut">
               <a:rPr lang="es-ES" smtClean="0"/>
-              <a:t>11/12/2014</a:t>
+              <a:t>16/12/2014</a:t>
             </a:fld>
             <a:endParaRPr lang="es-ES"/>
           </a:p>
@@ -12893,7 +12293,7 @@
           <a:p>
             <a:fld id="{4449FA06-FD21-4DBB-B6CF-A10E5BB8083C}" type="datetimeFigureOut">
               <a:rPr lang="es-ES" smtClean="0"/>
-              <a:t>11/12/2014</a:t>
+              <a:t>16/12/2014</a:t>
             </a:fld>
             <a:endParaRPr lang="es-ES"/>
           </a:p>
@@ -13441,43 +12841,12 @@
           </a:bodyPr>
           <a:lstStyle/>
           <a:p>
+            <a:pPr algn="ctr"/>
             <a:r>
-              <a:rPr lang="es-ES" dirty="0" err="1" smtClean="0"/>
-              <a:t>Background</a:t>
+              <a:rPr lang="en-GB" dirty="0" smtClean="0"/>
+              <a:t>Background Subtraction applied to Object Recognition</a:t>
             </a:r>
-            <a:r>
-              <a:rPr lang="es-ES" dirty="0" smtClean="0"/>
-              <a:t> </a:t>
-            </a:r>
-            <a:r>
-              <a:rPr lang="es-ES" dirty="0" err="1" smtClean="0"/>
-              <a:t>Substracion</a:t>
-            </a:r>
-            <a:r>
-              <a:rPr lang="es-ES" dirty="0" smtClean="0"/>
-              <a:t> </a:t>
-            </a:r>
-            <a:r>
-              <a:rPr lang="es-ES" dirty="0" err="1" smtClean="0"/>
-              <a:t>applied</a:t>
-            </a:r>
-            <a:r>
-              <a:rPr lang="es-ES" dirty="0" smtClean="0"/>
-              <a:t> to </a:t>
-            </a:r>
-            <a:r>
-              <a:rPr lang="es-ES" dirty="0" err="1" smtClean="0"/>
-              <a:t>Object</a:t>
-            </a:r>
-            <a:r>
-              <a:rPr lang="es-ES" dirty="0" smtClean="0"/>
-              <a:t> </a:t>
-            </a:r>
-            <a:r>
-              <a:rPr lang="es-ES" dirty="0" err="1" smtClean="0"/>
-              <a:t>Recognition</a:t>
-            </a:r>
-            <a:endParaRPr lang="es-ES" dirty="0"/>
+            <a:endParaRPr lang="en-GB" dirty="0"/>
           </a:p>
         </p:txBody>
       </p:sp>
@@ -13497,7 +12866,7 @@
           <a:lstStyle/>
           <a:p>
             <a:r>
-              <a:rPr lang="es-ES" dirty="0" err="1" smtClean="0"/>
+              <a:rPr lang="en-US" dirty="0" smtClean="0"/>
               <a:t>By</a:t>
             </a:r>
             <a:r>
@@ -13582,7 +12951,7 @@
           <a:lstStyle/>
           <a:p>
             <a:r>
-              <a:rPr lang="es-ES" sz="8000" b="1" u="sng" dirty="0" err="1" smtClean="0">
+              <a:rPr lang="en-GB" sz="8000" b="1" u="sng" dirty="0" smtClean="0">
                 <a:solidFill>
                   <a:schemeClr val="accent1">
                     <a:lumMod val="75000"/>
@@ -13598,7 +12967,7 @@
               </a:rPr>
               <a:t>Goals</a:t>
             </a:r>
-            <a:endParaRPr lang="es-ES" sz="8000" b="1" u="sng" dirty="0">
+            <a:endParaRPr lang="en-GB" sz="8000" b="1" u="sng" dirty="0">
               <a:solidFill>
                 <a:schemeClr val="accent1">
                   <a:lumMod val="75000"/>
@@ -13625,7 +12994,7 @@
             <p:ph idx="1"/>
             <p:extLst>
               <p:ext uri="{D42A27DB-BD31-4B8C-83A1-F6EECF244321}">
-                <p14:modId xmlns:p14="http://schemas.microsoft.com/office/powerpoint/2010/main" val="744713580"/>
+                <p14:modId xmlns:p14="http://schemas.microsoft.com/office/powerpoint/2010/main" val="995525111"/>
               </p:ext>
             </p:extLst>
           </p:nvPr>
@@ -13896,7 +13265,7 @@
           <p:nvPr>
             <p:extLst>
               <p:ext uri="{D42A27DB-BD31-4B8C-83A1-F6EECF244321}">
-                <p14:modId xmlns:p14="http://schemas.microsoft.com/office/powerpoint/2010/main" val="313159402"/>
+                <p14:modId xmlns:p14="http://schemas.microsoft.com/office/powerpoint/2010/main" val="2562053960"/>
               </p:ext>
             </p:extLst>
           </p:nvPr>
@@ -13954,62 +13323,126 @@
           </a:p>
         </p:txBody>
       </p:sp>
-      <p:sp>
-        <p:nvSpPr>
-          <p:cNvPr id="8" name="CuadroTexto 7"/>
-          <p:cNvSpPr txBox="1"/>
-          <p:nvPr/>
-        </p:nvSpPr>
-        <p:spPr>
-          <a:xfrm>
-            <a:off x="6522695" y="2337514"/>
-            <a:ext cx="5404043" cy="1077218"/>
-          </a:xfrm>
-          <a:prstGeom prst="rect">
-            <a:avLst/>
-          </a:prstGeom>
-          <a:noFill/>
-        </p:spPr>
-        <p:txBody>
-          <a:bodyPr wrap="none" rtlCol="0">
-            <a:spAutoFit/>
-          </a:bodyPr>
-          <a:lstStyle/>
-          <a:p>
-            <a:r>
-              <a:rPr lang="es-ES" sz="3200" dirty="0" smtClean="0"/>
-              <a:t>BG’ = BG * (1 – </a:t>
-            </a:r>
-            <a:r>
-              <a:rPr lang="es-ES" sz="3200" dirty="0" err="1" smtClean="0"/>
-              <a:t>learningRate</a:t>
-            </a:r>
-            <a:r>
-              <a:rPr lang="es-ES" sz="3200" dirty="0" smtClean="0"/>
-              <a:t>) +</a:t>
-            </a:r>
-          </a:p>
-          <a:p>
-            <a:r>
-              <a:rPr lang="es-ES" sz="3200" dirty="0"/>
-              <a:t>	</a:t>
-            </a:r>
-            <a:r>
-              <a:rPr lang="es-ES" sz="3200" dirty="0" err="1" smtClean="0"/>
-              <a:t>minFrame</a:t>
-            </a:r>
-            <a:r>
-              <a:rPr lang="es-ES" sz="3200" dirty="0" smtClean="0"/>
-              <a:t> * </a:t>
-            </a:r>
-            <a:r>
-              <a:rPr lang="es-ES" sz="3200" dirty="0" err="1" smtClean="0"/>
-              <a:t>learningRate</a:t>
-            </a:r>
-            <a:endParaRPr lang="es-ES" sz="3200" dirty="0"/>
-          </a:p>
-        </p:txBody>
-      </p:sp>
+      <mc:AlternateContent xmlns:mc="http://schemas.openxmlformats.org/markup-compatibility/2006">
+        <mc:Choice xmlns:a14="http://schemas.microsoft.com/office/drawing/2010/main" Requires="a14">
+          <p:sp>
+            <p:nvSpPr>
+              <p:cNvPr id="8" name="CuadroTexto 7"/>
+              <p:cNvSpPr txBox="1"/>
+              <p:nvPr/>
+            </p:nvSpPr>
+            <p:spPr>
+              <a:xfrm>
+                <a:off x="6522695" y="3712299"/>
+                <a:ext cx="3491277" cy="1077218"/>
+              </a:xfrm>
+              <a:prstGeom prst="rect">
+                <a:avLst/>
+              </a:prstGeom>
+              <a:noFill/>
+            </p:spPr>
+            <p:txBody>
+              <a:bodyPr wrap="none" rtlCol="0">
+                <a:spAutoFit/>
+              </a:bodyPr>
+              <a:lstStyle/>
+              <a:p>
+                <a:r>
+                  <a:rPr lang="es-ES" sz="3200" dirty="0" smtClean="0"/>
+                  <a:t>BG’ = BG * (1 </a:t>
+                </a:r>
+                <a:r>
+                  <a:rPr lang="es-ES" sz="3200" dirty="0" smtClean="0"/>
+                  <a:t>– </a:t>
+                </a:r>
+                <a14:m>
+                  <m:oMath xmlns:m="http://schemas.openxmlformats.org/officeDocument/2006/math">
+                    <m:r>
+                      <a:rPr lang="es-ES" sz="3200" i="1" dirty="0" smtClean="0">
+                        <a:latin typeface="Cambria Math" panose="02040503050406030204" pitchFamily="18" charset="0"/>
+                        <a:ea typeface="Cambria Math" panose="02040503050406030204" pitchFamily="18" charset="0"/>
+                      </a:rPr>
+                      <m:t>𝛼</m:t>
+                    </m:r>
+                  </m:oMath>
+                </a14:m>
+                <a:r>
+                  <a:rPr lang="es-ES" sz="3200" dirty="0" smtClean="0"/>
+                  <a:t>) </a:t>
+                </a:r>
+                <a:r>
+                  <a:rPr lang="es-ES" sz="3200" dirty="0" smtClean="0"/>
+                  <a:t>+</a:t>
+                </a:r>
+              </a:p>
+              <a:p>
+                <a:r>
+                  <a:rPr lang="es-ES" sz="3200" dirty="0"/>
+                  <a:t>	</a:t>
+                </a:r>
+                <a:r>
+                  <a:rPr lang="es-ES" sz="3200" dirty="0" err="1" smtClean="0"/>
+                  <a:t>minFrame</a:t>
+                </a:r>
+                <a:r>
+                  <a:rPr lang="es-ES" sz="3200" dirty="0" smtClean="0"/>
+                  <a:t> * </a:t>
+                </a:r>
+                <a14:m>
+                  <m:oMath xmlns:m="http://schemas.openxmlformats.org/officeDocument/2006/math">
+                    <m:r>
+                      <a:rPr lang="es-ES" sz="3200" i="1" dirty="0">
+                        <a:latin typeface="Cambria Math" panose="02040503050406030204" pitchFamily="18" charset="0"/>
+                        <a:ea typeface="Cambria Math" panose="02040503050406030204" pitchFamily="18" charset="0"/>
+                      </a:rPr>
+                      <m:t>𝛼</m:t>
+                    </m:r>
+                  </m:oMath>
+                </a14:m>
+                <a:endParaRPr lang="es-ES" sz="3200" dirty="0"/>
+              </a:p>
+            </p:txBody>
+          </p:sp>
+        </mc:Choice>
+        <mc:Fallback>
+          <p:sp>
+            <p:nvSpPr>
+              <p:cNvPr id="8" name="CuadroTexto 7"/>
+              <p:cNvSpPr txBox="1">
+                <a:spLocks noRot="1" noChangeAspect="1" noMove="1" noResize="1" noEditPoints="1" noAdjustHandles="1" noChangeArrowheads="1" noChangeShapeType="1" noTextEdit="1"/>
+              </p:cNvSpPr>
+              <p:nvPr/>
+            </p:nvSpPr>
+            <p:spPr>
+              <a:xfrm>
+                <a:off x="6522695" y="3712299"/>
+                <a:ext cx="3491277" cy="1077218"/>
+              </a:xfrm>
+              <a:prstGeom prst="rect">
+                <a:avLst/>
+              </a:prstGeom>
+              <a:blipFill rotWithShape="0">
+                <a:blip r:embed="rId7"/>
+                <a:stretch>
+                  <a:fillRect l="-4538" t="-6780" r="-1047" b="-18079"/>
+                </a:stretch>
+              </a:blipFill>
+            </p:spPr>
+            <p:txBody>
+              <a:bodyPr/>
+              <a:lstStyle/>
+              <a:p>
+                <a:r>
+                  <a:rPr lang="en-US">
+                    <a:noFill/>
+                  </a:rPr>
+                  <a:t> </a:t>
+                </a:r>
+              </a:p>
+            </p:txBody>
+          </p:sp>
+        </mc:Fallback>
+      </mc:AlternateContent>
       <p:sp>
         <p:nvSpPr>
           <p:cNvPr id="9" name="CuadroTexto 8"/>
@@ -14044,6 +13477,89 @@
           </a:p>
         </p:txBody>
       </p:sp>
+      <mc:AlternateContent xmlns:mc="http://schemas.openxmlformats.org/markup-compatibility/2006">
+        <mc:Choice xmlns:a14="http://schemas.microsoft.com/office/drawing/2010/main" Requires="a14">
+          <p:sp>
+            <p:nvSpPr>
+              <p:cNvPr id="3" name="CuadroTexto 2"/>
+              <p:cNvSpPr txBox="1"/>
+              <p:nvPr/>
+            </p:nvSpPr>
+            <p:spPr>
+              <a:xfrm>
+                <a:off x="6522695" y="2709366"/>
+                <a:ext cx="3189912" cy="584775"/>
+              </a:xfrm>
+              <a:prstGeom prst="rect">
+                <a:avLst/>
+              </a:prstGeom>
+              <a:noFill/>
+            </p:spPr>
+            <p:txBody>
+              <a:bodyPr wrap="none" rtlCol="0">
+                <a:spAutoFit/>
+              </a:bodyPr>
+              <a:lstStyle/>
+              <a:p>
+                <a14:m>
+                  <m:oMath xmlns:m="http://schemas.openxmlformats.org/officeDocument/2006/math">
+                    <m:r>
+                      <a:rPr lang="es-ES" sz="3200" i="1" dirty="0">
+                        <a:latin typeface="Cambria Math" panose="02040503050406030204" pitchFamily="18" charset="0"/>
+                        <a:ea typeface="Cambria Math" panose="02040503050406030204" pitchFamily="18" charset="0"/>
+                      </a:rPr>
+                      <m:t>𝛼</m:t>
+                    </m:r>
+                  </m:oMath>
+                </a14:m>
+                <a:r>
+                  <a:rPr lang="en-US" sz="3200" dirty="0" smtClean="0"/>
+                  <a:t> = Learning Rate</a:t>
+                </a:r>
+                <a:endParaRPr lang="en-US" sz="3200" dirty="0"/>
+              </a:p>
+            </p:txBody>
+          </p:sp>
+        </mc:Choice>
+        <mc:Fallback>
+          <p:sp>
+            <p:nvSpPr>
+              <p:cNvPr id="3" name="CuadroTexto 2"/>
+              <p:cNvSpPr txBox="1">
+                <a:spLocks noRot="1" noChangeAspect="1" noMove="1" noResize="1" noEditPoints="1" noAdjustHandles="1" noChangeArrowheads="1" noChangeShapeType="1" noTextEdit="1"/>
+              </p:cNvSpPr>
+              <p:nvPr/>
+            </p:nvSpPr>
+            <p:spPr>
+              <a:xfrm>
+                <a:off x="6522695" y="2709366"/>
+                <a:ext cx="3189912" cy="584775"/>
+              </a:xfrm>
+              <a:prstGeom prst="rect">
+                <a:avLst/>
+              </a:prstGeom>
+              <a:blipFill rotWithShape="0">
+                <a:blip r:embed="rId8"/>
+                <a:stretch>
+                  <a:fillRect t="-12500" r="-4015" b="-34375"/>
+                </a:stretch>
+              </a:blipFill>
+            </p:spPr>
+            <p:txBody>
+              <a:bodyPr/>
+              <a:lstStyle/>
+              <a:p>
+                <a:r>
+                  <a:rPr lang="en-US">
+                    <a:noFill/>
+                  </a:rPr>
+                  <a:t> </a:t>
+                </a:r>
+              </a:p>
+            </p:txBody>
+          </p:sp>
+        </mc:Fallback>
+      </mc:AlternateContent>
     </p:spTree>
     <p:extLst>
       <p:ext uri="{BB962C8B-B14F-4D97-AF65-F5344CB8AC3E}">
@@ -14104,7 +13620,7 @@
           <a:lstStyle/>
           <a:p>
             <a:r>
-              <a:rPr lang="es-ES" sz="6000" b="1" u="sng" dirty="0" err="1" smtClean="0">
+              <a:rPr lang="en-GB" sz="6000" b="1" u="sng" dirty="0" smtClean="0">
                 <a:solidFill>
                   <a:schemeClr val="accent1">
                     <a:lumMod val="75000"/>
@@ -14118,43 +13634,9 @@
                   </a:outerShdw>
                 </a:effectLst>
               </a:rPr>
-              <a:t>Object</a:t>
+              <a:t>Object Segmentation</a:t>
             </a:r>
-            <a:r>
-              <a:rPr lang="es-ES" sz="6000" b="1" u="sng" dirty="0" smtClean="0">
-                <a:solidFill>
-                  <a:schemeClr val="accent1">
-                    <a:lumMod val="75000"/>
-                  </a:schemeClr>
-                </a:solidFill>
-                <a:effectLst>
-                  <a:outerShdw blurRad="38100" dist="38100" dir="2700000" algn="tl">
-                    <a:srgbClr val="000000">
-                      <a:alpha val="43137"/>
-                    </a:srgbClr>
-                  </a:outerShdw>
-                </a:effectLst>
-              </a:rPr>
-              <a:t> </a:t>
-            </a:r>
-            <a:r>
-              <a:rPr lang="es-ES" sz="6000" b="1" u="sng" dirty="0" err="1" smtClean="0">
-                <a:solidFill>
-                  <a:schemeClr val="accent1">
-                    <a:lumMod val="75000"/>
-                  </a:schemeClr>
-                </a:solidFill>
-                <a:effectLst>
-                  <a:outerShdw blurRad="38100" dist="38100" dir="2700000" algn="tl">
-                    <a:srgbClr val="000000">
-                      <a:alpha val="43137"/>
-                    </a:srgbClr>
-                  </a:outerShdw>
-                </a:effectLst>
-              </a:rPr>
-              <a:t>Segmentation</a:t>
-            </a:r>
-            <a:endParaRPr lang="es-ES" sz="6000" dirty="0"/>
+            <a:endParaRPr lang="en-GB" sz="6000" dirty="0"/>
           </a:p>
         </p:txBody>
       </p:sp>
@@ -14185,41 +13667,13 @@
               <a:buAutoNum type="arabicPeriod"/>
             </a:pPr>
             <a:r>
-              <a:rPr lang="es-ES" sz="2800" dirty="0" err="1" smtClean="0"/>
-              <a:t>Substract</a:t>
-            </a:r>
-            <a:r>
-              <a:rPr lang="es-ES" sz="2800" dirty="0" smtClean="0"/>
-              <a:t> </a:t>
-            </a:r>
-            <a:r>
-              <a:rPr lang="es-ES" sz="2800" dirty="0" err="1" smtClean="0"/>
-              <a:t>background</a:t>
-            </a:r>
-            <a:r>
-              <a:rPr lang="es-ES" sz="2800" dirty="0" smtClean="0"/>
-              <a:t> to </a:t>
-            </a:r>
-            <a:r>
-              <a:rPr lang="es-ES" sz="2800" dirty="0" err="1" smtClean="0"/>
-              <a:t>current</a:t>
-            </a:r>
-            <a:r>
-              <a:rPr lang="es-ES" sz="2800" dirty="0" smtClean="0"/>
-              <a:t> </a:t>
-            </a:r>
-            <a:r>
-              <a:rPr lang="es-ES" sz="2800" dirty="0" err="1" smtClean="0"/>
-              <a:t>frame</a:t>
-            </a:r>
-            <a:r>
-              <a:rPr lang="es-ES" sz="2800" dirty="0" smtClean="0"/>
-              <a:t/>
+              <a:rPr lang="en-GB" sz="2800" dirty="0" smtClean="0"/>
+              <a:t>Subtract background to current frame</a:t>
             </a:r>
             <a:br>
-              <a:rPr lang="es-ES" sz="2800" dirty="0" smtClean="0"/>
+              <a:rPr lang="en-GB" sz="2800" dirty="0" smtClean="0"/>
             </a:br>
-            <a:endParaRPr lang="es-ES" sz="2800" dirty="0" smtClean="0"/>
+            <a:endParaRPr lang="en-GB" sz="2800" dirty="0" smtClean="0"/>
           </a:p>
           <a:p>
             <a:pPr marL="514350" indent="-514350">
@@ -14227,37 +13681,13 @@
               <a:buAutoNum type="arabicPeriod"/>
             </a:pPr>
             <a:r>
-              <a:rPr lang="es-ES" sz="2800" dirty="0" err="1" smtClean="0"/>
-              <a:t>Thresholding</a:t>
-            </a:r>
-            <a:r>
-              <a:rPr lang="es-ES" sz="2800" dirty="0" smtClean="0"/>
-              <a:t> </a:t>
-            </a:r>
-            <a:r>
-              <a:rPr lang="es-ES" sz="2800" dirty="0"/>
-              <a:t>and </a:t>
-            </a:r>
-            <a:r>
-              <a:rPr lang="es-ES" sz="2800" dirty="0" err="1"/>
-              <a:t>noise</a:t>
-            </a:r>
-            <a:r>
-              <a:rPr lang="es-ES" sz="2800" dirty="0"/>
-              <a:t> </a:t>
-            </a:r>
-            <a:r>
-              <a:rPr lang="es-ES" sz="2800" dirty="0" err="1"/>
-              <a:t>reduction</a:t>
-            </a:r>
-            <a:r>
-              <a:rPr lang="es-ES" sz="2800" dirty="0" smtClean="0"/>
-              <a:t/>
+              <a:rPr lang="en-GB" sz="2800" dirty="0" smtClean="0"/>
+              <a:t>Threshold and noise reduction</a:t>
             </a:r>
             <a:br>
-              <a:rPr lang="es-ES" sz="2800" dirty="0" smtClean="0"/>
+              <a:rPr lang="en-GB" sz="2800" dirty="0" smtClean="0"/>
             </a:br>
-            <a:endParaRPr lang="es-ES" sz="2800" dirty="0" smtClean="0"/>
+            <a:endParaRPr lang="en-GB" sz="2800" dirty="0" smtClean="0"/>
           </a:p>
           <a:p>
             <a:pPr marL="514350" indent="-514350">
@@ -14265,81 +13695,13 @@
               <a:buAutoNum type="arabicPeriod"/>
             </a:pPr>
             <a:r>
-              <a:rPr lang="es-ES" sz="2800" dirty="0" err="1" smtClean="0"/>
-              <a:t>Apply</a:t>
-            </a:r>
-            <a:r>
-              <a:rPr lang="es-ES" sz="2800" dirty="0" smtClean="0"/>
-              <a:t> </a:t>
-            </a:r>
-            <a:r>
-              <a:rPr lang="es-ES" sz="2800" dirty="0" err="1" smtClean="0"/>
-              <a:t>distance</a:t>
-            </a:r>
-            <a:r>
-              <a:rPr lang="es-ES" sz="2800" dirty="0" smtClean="0"/>
-              <a:t> </a:t>
-            </a:r>
-            <a:r>
-              <a:rPr lang="es-ES" sz="2800" dirty="0" err="1" smtClean="0"/>
-              <a:t>function</a:t>
-            </a:r>
-            <a:r>
-              <a:rPr lang="es-ES" sz="2800" dirty="0" smtClean="0"/>
-              <a:t> to </a:t>
-            </a:r>
-            <a:r>
-              <a:rPr lang="es-ES" sz="2800" dirty="0" err="1" smtClean="0"/>
-              <a:t>avoid</a:t>
-            </a:r>
-            <a:r>
-              <a:rPr lang="es-ES" sz="2800" dirty="0" smtClean="0"/>
-              <a:t> </a:t>
-            </a:r>
-            <a:r>
-              <a:rPr lang="es-ES" sz="2800" dirty="0" err="1" smtClean="0"/>
-              <a:t>mixing</a:t>
-            </a:r>
-            <a:r>
-              <a:rPr lang="es-ES" sz="2800" dirty="0" smtClean="0"/>
-              <a:t>/</a:t>
-            </a:r>
-            <a:r>
-              <a:rPr lang="es-ES" sz="2800" dirty="0" err="1" smtClean="0"/>
-              <a:t>mergin</a:t>
-            </a:r>
-            <a:r>
-              <a:rPr lang="es-ES" sz="2800" dirty="0" smtClean="0"/>
-              <a:t> </a:t>
-            </a:r>
-            <a:r>
-              <a:rPr lang="es-ES" sz="2800" dirty="0" err="1" smtClean="0"/>
-              <a:t>two</a:t>
-            </a:r>
-            <a:r>
-              <a:rPr lang="es-ES" sz="2800" dirty="0" smtClean="0"/>
-              <a:t> </a:t>
-            </a:r>
-            <a:r>
-              <a:rPr lang="es-ES" sz="2800" dirty="0" err="1" smtClean="0"/>
-              <a:t>close</a:t>
-            </a:r>
-            <a:r>
-              <a:rPr lang="es-ES" sz="2800" dirty="0" smtClean="0"/>
-              <a:t> </a:t>
-            </a:r>
-            <a:r>
-              <a:rPr lang="es-ES" sz="2800" dirty="0" err="1" smtClean="0"/>
-              <a:t>objects</a:t>
-            </a:r>
-            <a:r>
-              <a:rPr lang="es-ES" sz="2800" dirty="0" smtClean="0"/>
-              <a:t/>
+              <a:rPr lang="en-GB" sz="2800" dirty="0" smtClean="0"/>
+              <a:t>Apply distance function to avoid mixing/merging two close objects</a:t>
             </a:r>
             <a:br>
-              <a:rPr lang="es-ES" sz="2800" dirty="0" smtClean="0"/>
+              <a:rPr lang="en-GB" sz="2800" dirty="0" smtClean="0"/>
             </a:br>
-            <a:endParaRPr lang="es-ES" sz="2800" dirty="0" smtClean="0"/>
+            <a:endParaRPr lang="en-GB" sz="2800" dirty="0" smtClean="0"/>
           </a:p>
           <a:p>
             <a:pPr marL="514350" indent="-514350">
@@ -14347,81 +13709,13 @@
               <a:buAutoNum type="arabicPeriod"/>
             </a:pPr>
             <a:r>
-              <a:rPr lang="es-ES" sz="2800" dirty="0" err="1" smtClean="0"/>
-              <a:t>Threshold</a:t>
-            </a:r>
-            <a:r>
-              <a:rPr lang="es-ES" sz="2800" dirty="0" smtClean="0"/>
-              <a:t> </a:t>
-            </a:r>
-            <a:r>
-              <a:rPr lang="es-ES" sz="2800" dirty="0" err="1" smtClean="0"/>
-              <a:t>image</a:t>
-            </a:r>
-            <a:r>
-              <a:rPr lang="es-ES" sz="2800" dirty="0" smtClean="0"/>
-              <a:t> </a:t>
-            </a:r>
-            <a:r>
-              <a:rPr lang="es-ES" sz="2800" dirty="0" err="1" smtClean="0"/>
-              <a:t>by</a:t>
-            </a:r>
-            <a:r>
-              <a:rPr lang="es-ES" sz="2800" dirty="0" smtClean="0"/>
-              <a:t> a </a:t>
-            </a:r>
-            <a:r>
-              <a:rPr lang="es-ES" sz="2800" dirty="0" err="1" smtClean="0"/>
-              <a:t>small</a:t>
-            </a:r>
-            <a:r>
-              <a:rPr lang="es-ES" sz="2800" dirty="0" smtClean="0"/>
-              <a:t> </a:t>
-            </a:r>
-            <a:r>
-              <a:rPr lang="es-ES" sz="2800" dirty="0" err="1" smtClean="0"/>
-              <a:t>amount</a:t>
-            </a:r>
-            <a:r>
-              <a:rPr lang="es-ES" sz="2800" dirty="0" smtClean="0"/>
-              <a:t> (</a:t>
-            </a:r>
-            <a:r>
-              <a:rPr lang="es-ES" sz="2800" dirty="0" err="1" smtClean="0"/>
-              <a:t>avoid</a:t>
-            </a:r>
-            <a:r>
-              <a:rPr lang="es-ES" sz="2800" dirty="0" smtClean="0"/>
-              <a:t> </a:t>
-            </a:r>
-            <a:r>
-              <a:rPr lang="es-ES" sz="2800" dirty="0" err="1" smtClean="0"/>
-              <a:t>close</a:t>
-            </a:r>
-            <a:r>
-              <a:rPr lang="es-ES" sz="2800" dirty="0" smtClean="0"/>
-              <a:t> </a:t>
-            </a:r>
-            <a:r>
-              <a:rPr lang="es-ES" sz="2800" dirty="0" err="1" smtClean="0"/>
-              <a:t>objects</a:t>
-            </a:r>
-            <a:r>
-              <a:rPr lang="es-ES" sz="2800" dirty="0" smtClean="0"/>
-              <a:t> </a:t>
-            </a:r>
-            <a:r>
-              <a:rPr lang="es-ES" sz="2800" dirty="0" err="1" smtClean="0"/>
-              <a:t>again</a:t>
-            </a:r>
-            <a:r>
-              <a:rPr lang="es-ES" sz="2800" dirty="0" smtClean="0"/>
-              <a:t>)</a:t>
+              <a:rPr lang="en-GB" sz="2800" dirty="0" smtClean="0"/>
+              <a:t>Threshold image by a small amount (avoid close objects again)</a:t>
             </a:r>
             <a:br>
-              <a:rPr lang="es-ES" sz="2800" dirty="0" smtClean="0"/>
+              <a:rPr lang="en-GB" sz="2800" dirty="0" smtClean="0"/>
             </a:br>
-            <a:endParaRPr lang="es-ES" sz="2800" dirty="0"/>
+            <a:endParaRPr lang="en-GB" sz="2800" dirty="0" smtClean="0"/>
           </a:p>
           <a:p>
             <a:pPr marL="514350" indent="-514350">
@@ -14429,50 +13723,10 @@
               <a:buAutoNum type="arabicPeriod"/>
             </a:pPr>
             <a:r>
-              <a:rPr lang="es-ES" sz="2800" dirty="0" err="1" smtClean="0"/>
-              <a:t>Find</a:t>
+              <a:rPr lang="en-GB" sz="2800" dirty="0" smtClean="0"/>
+              <a:t>Find external contours by using Canny</a:t>
             </a:r>
-            <a:r>
-              <a:rPr lang="es-ES" sz="2800" dirty="0" smtClean="0"/>
-              <a:t> </a:t>
-            </a:r>
-            <a:r>
-              <a:rPr lang="es-ES" sz="2800" dirty="0" err="1" smtClean="0"/>
-              <a:t>external</a:t>
-            </a:r>
-            <a:r>
-              <a:rPr lang="es-ES" sz="2800" dirty="0" smtClean="0"/>
-              <a:t> </a:t>
-            </a:r>
-            <a:r>
-              <a:rPr lang="es-ES" sz="2800" dirty="0" err="1" smtClean="0"/>
-              <a:t>contours</a:t>
-            </a:r>
-            <a:r>
-              <a:rPr lang="es-ES" sz="2800" dirty="0" smtClean="0"/>
-              <a:t> </a:t>
-            </a:r>
-            <a:r>
-              <a:rPr lang="es-ES" sz="2800" dirty="0" err="1" smtClean="0"/>
-              <a:t>by</a:t>
-            </a:r>
-            <a:r>
-              <a:rPr lang="es-ES" sz="2800" dirty="0" smtClean="0"/>
-              <a:t> </a:t>
-            </a:r>
-            <a:r>
-              <a:rPr lang="es-ES" sz="2800" dirty="0" err="1" smtClean="0"/>
-              <a:t>using</a:t>
-            </a:r>
-            <a:r>
-              <a:rPr lang="es-ES" sz="2800" dirty="0" smtClean="0"/>
-              <a:t> </a:t>
-            </a:r>
-            <a:r>
-              <a:rPr lang="es-ES" sz="2800" dirty="0" err="1" smtClean="0"/>
-              <a:t>Canny</a:t>
-            </a:r>
-            <a:endParaRPr lang="es-ES" sz="2800" dirty="0"/>
+            <a:endParaRPr lang="en-GB" sz="2800" dirty="0"/>
           </a:p>
         </p:txBody>
       </p:sp>
@@ -14534,7 +13788,7 @@
           <a:lstStyle/>
           <a:p>
             <a:r>
-              <a:rPr lang="es-ES" sz="5400" b="1" u="sng" dirty="0" err="1" smtClean="0">
+              <a:rPr lang="en-GB" sz="5400" b="1" u="sng" dirty="0" smtClean="0">
                 <a:solidFill>
                   <a:schemeClr val="accent1">
                     <a:lumMod val="75000"/>
@@ -14548,26 +13802,9 @@
                   </a:outerShdw>
                 </a:effectLst>
               </a:rPr>
-              <a:t>Convolutional</a:t>
+              <a:t>Convolutional Neural Network</a:t>
             </a:r>
-            <a:r>
-              <a:rPr lang="es-ES" sz="5400" b="1" u="sng" dirty="0" smtClean="0">
-                <a:solidFill>
-                  <a:schemeClr val="accent1">
-                    <a:lumMod val="75000"/>
-                  </a:schemeClr>
-                </a:solidFill>
-                <a:effectLst>
-                  <a:outerShdw blurRad="38100" dist="38100" dir="2700000" algn="tl">
-                    <a:srgbClr val="000000">
-                      <a:alpha val="43137"/>
-                    </a:srgbClr>
-                  </a:outerShdw>
-                </a:effectLst>
-              </a:rPr>
-              <a:t> Neural Network</a:t>
-            </a:r>
-            <a:endParaRPr lang="es-ES" sz="5400" dirty="0"/>
+            <a:endParaRPr lang="en-GB" sz="5400" dirty="0"/>
           </a:p>
         </p:txBody>
       </p:sp>
@@ -14594,230 +13831,101 @@
           <a:lstStyle/>
           <a:p>
             <a:r>
-              <a:rPr lang="es-ES" dirty="0" smtClean="0"/>
+              <a:rPr lang="en-GB" dirty="0" smtClean="0"/>
               <a:t>CNN:</a:t>
             </a:r>
           </a:p>
           <a:p>
             <a:pPr lvl="1"/>
             <a:r>
-              <a:rPr lang="es-ES" dirty="0" err="1" smtClean="0"/>
+              <a:rPr lang="en-GB" dirty="0" err="1" smtClean="0"/>
               <a:t>Jia</a:t>
             </a:r>
             <a:r>
-              <a:rPr lang="es-ES" dirty="0" smtClean="0"/>
+              <a:rPr lang="en-GB" dirty="0" smtClean="0"/>
               <a:t>, </a:t>
             </a:r>
             <a:r>
-              <a:rPr lang="es-ES" dirty="0" err="1" smtClean="0"/>
+              <a:rPr lang="en-GB" dirty="0" err="1" smtClean="0"/>
               <a:t>Yangqing</a:t>
             </a:r>
-            <a:endParaRPr lang="es-ES" dirty="0" smtClean="0"/>
+            <a:endParaRPr lang="en-GB" dirty="0" smtClean="0"/>
           </a:p>
           <a:p>
             <a:pPr lvl="1"/>
             <a:r>
-              <a:rPr lang="es-ES" dirty="0" err="1" smtClean="0"/>
+              <a:rPr lang="en-GB" dirty="0" err="1" smtClean="0"/>
               <a:t>Caffe</a:t>
             </a:r>
             <a:r>
-              <a:rPr lang="es-ES" dirty="0" smtClean="0"/>
-              <a:t>: </a:t>
+              <a:rPr lang="en-GB" dirty="0" smtClean="0"/>
+              <a:t>: Convolutional Architecture for Fast Feature Embedding</a:t>
+            </a:r>
+          </a:p>
+          <a:p>
+            <a:r>
+              <a:rPr lang="en-GB" dirty="0" smtClean="0"/>
+              <a:t>C++/CUDA Library with wrappers for Python and </a:t>
             </a:r>
             <a:r>
-              <a:rPr lang="es-ES" dirty="0" err="1" smtClean="0"/>
-              <a:t>Convolutional</a:t>
+              <a:rPr lang="en-GB" dirty="0" err="1" smtClean="0"/>
+              <a:t>Matlab</a:t>
             </a:r>
+            <a:endParaRPr lang="en-GB" dirty="0" smtClean="0"/>
+          </a:p>
+          <a:p>
             <a:r>
-              <a:rPr lang="es-ES" dirty="0" smtClean="0"/>
-              <a:t> </a:t>
+              <a:rPr lang="en-GB" dirty="0" smtClean="0"/>
+              <a:t>Deep Learning</a:t>
             </a:r>
+          </a:p>
+          <a:p>
             <a:r>
-              <a:rPr lang="es-ES" dirty="0" err="1" smtClean="0"/>
-              <a:t>Architecture</a:t>
+              <a:rPr lang="en-GB" dirty="0" smtClean="0"/>
+              <a:t>Training time of 6 hours, with:</a:t>
             </a:r>
-            <a:r>
-              <a:rPr lang="es-ES" dirty="0" smtClean="0"/>
-              <a:t> </a:t>
-            </a:r>
-            <a:r>
-              <a:rPr lang="es-ES" dirty="0" err="1" smtClean="0"/>
-              <a:t>for</a:t>
-            </a:r>
-            <a:r>
-              <a:rPr lang="es-ES" dirty="0" smtClean="0"/>
-              <a:t> </a:t>
-            </a:r>
-            <a:r>
-              <a:rPr lang="es-ES" dirty="0" err="1" smtClean="0"/>
-              <a:t>Fast</a:t>
-            </a:r>
-            <a:r>
-              <a:rPr lang="es-ES" dirty="0" smtClean="0"/>
-              <a:t> </a:t>
-            </a:r>
-            <a:r>
-              <a:rPr lang="es-ES" dirty="0" err="1" smtClean="0"/>
-              <a:t>Feature</a:t>
-            </a:r>
-            <a:r>
-              <a:rPr lang="es-ES" dirty="0" smtClean="0"/>
-              <a:t> </a:t>
-            </a:r>
-            <a:r>
-              <a:rPr lang="es-ES" dirty="0" err="1" smtClean="0"/>
-              <a:t>Embedding</a:t>
-            </a:r>
-            <a:endParaRPr lang="es-ES" dirty="0" smtClean="0"/>
-          </a:p>
-          <a:p>
-            <a:r>
-              <a:rPr lang="es-ES" dirty="0" smtClean="0"/>
-              <a:t>C++/CUDA Library </a:t>
-            </a:r>
-            <a:r>
-              <a:rPr lang="es-ES" dirty="0" err="1" smtClean="0"/>
-              <a:t>with</a:t>
-            </a:r>
-            <a:r>
-              <a:rPr lang="es-ES" dirty="0" smtClean="0"/>
-              <a:t> </a:t>
-            </a:r>
-            <a:r>
-              <a:rPr lang="es-ES" dirty="0" err="1" smtClean="0"/>
-              <a:t>wrappers</a:t>
-            </a:r>
-            <a:r>
-              <a:rPr lang="es-ES" dirty="0" smtClean="0"/>
-              <a:t> </a:t>
-            </a:r>
-            <a:r>
-              <a:rPr lang="es-ES" dirty="0" err="1" smtClean="0"/>
-              <a:t>for</a:t>
-            </a:r>
-            <a:r>
-              <a:rPr lang="es-ES" dirty="0" smtClean="0"/>
-              <a:t> Python and Matlab</a:t>
-            </a:r>
-          </a:p>
-          <a:p>
-            <a:r>
-              <a:rPr lang="es-ES" dirty="0" smtClean="0"/>
-              <a:t>Deep </a:t>
-            </a:r>
-            <a:r>
-              <a:rPr lang="es-ES" dirty="0" err="1" smtClean="0"/>
-              <a:t>Learning</a:t>
-            </a:r>
-            <a:endParaRPr lang="es-ES" dirty="0" smtClean="0"/>
-          </a:p>
-          <a:p>
-            <a:r>
-              <a:rPr lang="es-ES" dirty="0" smtClean="0"/>
-              <a:t>Training time of 3 </a:t>
-            </a:r>
-            <a:r>
-              <a:rPr lang="es-ES" dirty="0" err="1" smtClean="0"/>
-              <a:t>days</a:t>
-            </a:r>
-            <a:r>
-              <a:rPr lang="es-ES" dirty="0" smtClean="0"/>
-              <a:t>, </a:t>
-            </a:r>
-            <a:r>
-              <a:rPr lang="es-ES" dirty="0" err="1" smtClean="0"/>
-              <a:t>with</a:t>
-            </a:r>
-            <a:r>
-              <a:rPr lang="es-ES" dirty="0" smtClean="0"/>
-              <a:t>:</a:t>
-            </a:r>
-            <a:endParaRPr lang="es-ES" dirty="0"/>
           </a:p>
           <a:p>
             <a:pPr lvl="1"/>
             <a:r>
-              <a:rPr lang="es-ES" dirty="0" smtClean="0"/>
+              <a:rPr lang="en-GB" dirty="0" smtClean="0"/>
               <a:t>GPU: NVIDIA GTX 650 2GB</a:t>
             </a:r>
           </a:p>
           <a:p>
             <a:pPr lvl="1"/>
             <a:r>
-              <a:rPr lang="es-ES" dirty="0" smtClean="0"/>
+              <a:rPr lang="en-GB" dirty="0" smtClean="0"/>
               <a:t>CPU: Intel i7 3.50GHz</a:t>
             </a:r>
           </a:p>
           <a:p>
             <a:pPr lvl="1"/>
             <a:r>
-              <a:rPr lang="es-ES" dirty="0" err="1" smtClean="0"/>
-              <a:t>Images</a:t>
-            </a:r>
-            <a:r>
-              <a:rPr lang="es-ES" dirty="0" smtClean="0"/>
-              <a:t>:</a:t>
+              <a:rPr lang="en-GB" dirty="0" smtClean="0"/>
+              <a:t>Images:</a:t>
             </a:r>
           </a:p>
           <a:p>
             <a:pPr lvl="2"/>
             <a:r>
-              <a:rPr lang="es-ES" dirty="0" smtClean="0"/>
-              <a:t>15.000 </a:t>
+              <a:rPr lang="en-GB" dirty="0" smtClean="0"/>
+              <a:t>15.000 Faces including body</a:t>
             </a:r>
-            <a:r>
-              <a:rPr lang="es-ES" dirty="0" smtClean="0"/>
-              <a:t>Faces </a:t>
-            </a:r>
-            <a:r>
-              <a:rPr lang="es-ES" dirty="0" err="1" smtClean="0"/>
-              <a:t>including</a:t>
-            </a:r>
-            <a:r>
-              <a:rPr lang="es-ES" dirty="0" smtClean="0"/>
-              <a:t> </a:t>
-            </a:r>
-            <a:r>
-              <a:rPr lang="es-ES" dirty="0" err="1" smtClean="0"/>
-              <a:t>body</a:t>
-            </a:r>
-            <a:endParaRPr lang="es-ES" dirty="0" smtClean="0"/>
           </a:p>
           <a:p>
             <a:pPr lvl="2"/>
             <a:r>
-              <a:rPr lang="es-ES" dirty="0" smtClean="0"/>
-              <a:t>18.000 Faces (</a:t>
+              <a:rPr lang="en-GB" dirty="0" smtClean="0"/>
+              <a:t>18.000 Faces (bare face)</a:t>
             </a:r>
-            <a:r>
-              <a:rPr lang="es-ES" dirty="0" err="1" smtClean="0"/>
-              <a:t>bare</a:t>
-            </a:r>
-            <a:r>
-              <a:rPr lang="es-ES" dirty="0" smtClean="0"/>
-              <a:t> </a:t>
-            </a:r>
-            <a:r>
-              <a:rPr lang="es-ES" dirty="0" err="1" smtClean="0"/>
-              <a:t>face</a:t>
-            </a:r>
-            <a:r>
-              <a:rPr lang="es-ES" dirty="0" smtClean="0"/>
-              <a:t>)</a:t>
-            </a:r>
-            <a:endParaRPr lang="es-ES" dirty="0" smtClean="0"/>
           </a:p>
           <a:p>
             <a:pPr lvl="2"/>
             <a:r>
-              <a:rPr lang="es-ES" dirty="0" smtClean="0"/>
-              <a:t>800 </a:t>
+              <a:rPr lang="en-GB" dirty="0" smtClean="0"/>
+              <a:t>800 black</a:t>
             </a:r>
-            <a:r>
-              <a:rPr lang="es-ES" dirty="0" err="1" smtClean="0"/>
-              <a:t>black</a:t>
-            </a:r>
-            <a:endParaRPr lang="es-ES" dirty="0" smtClean="0"/>
           </a:p>
           <a:p>
             <a:pPr lvl="1"/>
@@ -15094,338 +14202,42 @@
           <a:lstStyle/>
           <a:p>
             <a:r>
-              <a:rPr lang="es-ES" dirty="0" err="1" smtClean="0"/>
-              <a:t>Background</a:t>
+              <a:rPr lang="en-GB" dirty="0" smtClean="0"/>
+              <a:t>Background Subtraction is an efficient and fast method for mobile objects detection</a:t>
             </a:r>
+          </a:p>
+          <a:p>
             <a:r>
-              <a:rPr lang="es-ES" dirty="0" smtClean="0"/>
-              <a:t> </a:t>
+              <a:rPr lang="en-GB" dirty="0" smtClean="0"/>
+              <a:t>Segmentation through external contours works but might mix objects</a:t>
             </a:r>
+          </a:p>
+          <a:p>
             <a:r>
-              <a:rPr lang="es-ES" dirty="0" err="1" smtClean="0"/>
-              <a:t>Substraction</a:t>
-            </a:r>
-            <a:r>
-              <a:rPr lang="es-ES" dirty="0" smtClean="0"/>
-              <a:t> </a:t>
-            </a:r>
-            <a:r>
-              <a:rPr lang="es-ES" dirty="0" err="1" smtClean="0"/>
-              <a:t>is</a:t>
-            </a:r>
-            <a:r>
-              <a:rPr lang="es-ES" dirty="0" smtClean="0"/>
-              <a:t> </a:t>
-            </a:r>
-            <a:r>
-              <a:rPr lang="es-ES" dirty="0" err="1" smtClean="0"/>
-              <a:t>an</a:t>
-            </a:r>
-            <a:r>
-              <a:rPr lang="es-ES" dirty="0" smtClean="0"/>
-              <a:t> </a:t>
-            </a:r>
-            <a:r>
-              <a:rPr lang="es-ES" dirty="0" err="1" smtClean="0"/>
-              <a:t>efficient</a:t>
-            </a:r>
-            <a:r>
-              <a:rPr lang="es-ES" dirty="0" smtClean="0"/>
-              <a:t> and </a:t>
-            </a:r>
-            <a:r>
-              <a:rPr lang="es-ES" dirty="0" err="1" smtClean="0"/>
-              <a:t>fast</a:t>
-            </a:r>
-            <a:r>
-              <a:rPr lang="es-ES" dirty="0" smtClean="0"/>
-              <a:t> </a:t>
-            </a:r>
-            <a:r>
-              <a:rPr lang="es-ES" dirty="0" err="1" smtClean="0"/>
-              <a:t>method</a:t>
-            </a:r>
-            <a:r>
-              <a:rPr lang="es-ES" dirty="0" smtClean="0"/>
-              <a:t> </a:t>
-            </a:r>
-            <a:r>
-              <a:rPr lang="es-ES" dirty="0" err="1" smtClean="0"/>
-              <a:t>for</a:t>
-            </a:r>
-            <a:r>
-              <a:rPr lang="es-ES" dirty="0" smtClean="0"/>
-              <a:t> </a:t>
-            </a:r>
-            <a:r>
-              <a:rPr lang="es-ES" dirty="0" err="1" smtClean="0"/>
-              <a:t>mobile</a:t>
-            </a:r>
-            <a:r>
-              <a:rPr lang="es-ES" dirty="0" smtClean="0"/>
-              <a:t> </a:t>
-            </a:r>
-            <a:r>
-              <a:rPr lang="es-ES" dirty="0" err="1" smtClean="0"/>
-              <a:t>objects</a:t>
-            </a:r>
-            <a:r>
-              <a:rPr lang="es-ES" dirty="0" smtClean="0"/>
-              <a:t> </a:t>
-            </a:r>
-            <a:r>
-              <a:rPr lang="es-ES" dirty="0" err="1" smtClean="0"/>
-              <a:t>detection</a:t>
-            </a:r>
-            <a:endParaRPr lang="es-ES" dirty="0" smtClean="0"/>
-          </a:p>
-          <a:p>
-            <a:r>
-              <a:rPr lang="es-ES" dirty="0" err="1" smtClean="0"/>
-              <a:t>Segmentation</a:t>
-            </a:r>
-            <a:r>
-              <a:rPr lang="es-ES" dirty="0" smtClean="0"/>
-              <a:t> </a:t>
-            </a:r>
-            <a:r>
-              <a:rPr lang="es-ES" dirty="0" err="1" smtClean="0"/>
-              <a:t>through</a:t>
-            </a:r>
-            <a:r>
-              <a:rPr lang="es-ES" dirty="0" smtClean="0"/>
-              <a:t> </a:t>
-            </a:r>
-            <a:r>
-              <a:rPr lang="es-ES" dirty="0" err="1" smtClean="0"/>
-              <a:t>external</a:t>
-            </a:r>
-            <a:r>
-              <a:rPr lang="es-ES" dirty="0" smtClean="0"/>
-              <a:t> </a:t>
-            </a:r>
-            <a:r>
-              <a:rPr lang="es-ES" dirty="0" err="1" smtClean="0"/>
-              <a:t>contours</a:t>
-            </a:r>
-            <a:r>
-              <a:rPr lang="es-ES" dirty="0" smtClean="0"/>
-              <a:t> </a:t>
-            </a:r>
-            <a:r>
-              <a:rPr lang="es-ES" dirty="0" err="1" smtClean="0"/>
-              <a:t>works</a:t>
-            </a:r>
-            <a:r>
-              <a:rPr lang="es-ES" dirty="0" smtClean="0"/>
-              <a:t> </a:t>
-            </a:r>
-            <a:r>
-              <a:rPr lang="es-ES" dirty="0" err="1" smtClean="0"/>
-              <a:t>but</a:t>
-            </a:r>
-            <a:r>
-              <a:rPr lang="es-ES" dirty="0" smtClean="0"/>
-              <a:t> </a:t>
-            </a:r>
-            <a:r>
-              <a:rPr lang="es-ES" dirty="0" err="1" smtClean="0"/>
-              <a:t>might</a:t>
-            </a:r>
-            <a:r>
-              <a:rPr lang="es-ES" dirty="0" smtClean="0"/>
-              <a:t> mix </a:t>
-            </a:r>
-            <a:r>
-              <a:rPr lang="es-ES" dirty="0" err="1" smtClean="0"/>
-              <a:t>objects</a:t>
-            </a:r>
-            <a:endParaRPr lang="es-ES" dirty="0" smtClean="0"/>
-          </a:p>
-          <a:p>
-            <a:r>
-              <a:rPr lang="es-ES" dirty="0" err="1" smtClean="0"/>
-              <a:t>Convolutional</a:t>
-            </a:r>
-            <a:r>
-              <a:rPr lang="es-ES" dirty="0" smtClean="0"/>
-              <a:t> neural </a:t>
-            </a:r>
-            <a:r>
-              <a:rPr lang="es-ES" dirty="0" err="1" smtClean="0"/>
-              <a:t>networks</a:t>
-            </a:r>
-            <a:r>
-              <a:rPr lang="es-ES" dirty="0" smtClean="0"/>
-              <a:t> are </a:t>
-            </a:r>
-            <a:r>
-              <a:rPr lang="es-ES" dirty="0" err="1" smtClean="0"/>
-              <a:t>perfect</a:t>
-            </a:r>
-            <a:r>
-              <a:rPr lang="es-ES" dirty="0" smtClean="0"/>
-              <a:t> </a:t>
-            </a:r>
-            <a:r>
-              <a:rPr lang="es-ES" dirty="0" err="1" smtClean="0"/>
-              <a:t>solutions</a:t>
-            </a:r>
-            <a:r>
-              <a:rPr lang="es-ES" dirty="0" smtClean="0"/>
-              <a:t> </a:t>
-            </a:r>
-            <a:r>
-              <a:rPr lang="es-ES" dirty="0" err="1" smtClean="0"/>
-              <a:t>for</a:t>
-            </a:r>
-            <a:r>
-              <a:rPr lang="es-ES" dirty="0" smtClean="0"/>
-              <a:t> </a:t>
-            </a:r>
-            <a:r>
-              <a:rPr lang="es-ES" dirty="0" err="1" smtClean="0"/>
-              <a:t>mutiple</a:t>
-            </a:r>
-            <a:r>
-              <a:rPr lang="es-ES" dirty="0" smtClean="0"/>
-              <a:t> </a:t>
-            </a:r>
-            <a:r>
-              <a:rPr lang="es-ES" dirty="0" err="1" smtClean="0"/>
-              <a:t>object</a:t>
-            </a:r>
-            <a:r>
-              <a:rPr lang="es-ES" dirty="0" smtClean="0"/>
-              <a:t> </a:t>
-            </a:r>
-            <a:r>
-              <a:rPr lang="es-ES" dirty="0" err="1" smtClean="0"/>
-              <a:t>classifying</a:t>
-            </a:r>
-            <a:r>
-              <a:rPr lang="es-ES" dirty="0" smtClean="0"/>
-              <a:t>, </a:t>
-            </a:r>
-            <a:r>
-              <a:rPr lang="es-ES" dirty="0" err="1" smtClean="0"/>
-              <a:t>although</a:t>
-            </a:r>
-            <a:r>
-              <a:rPr lang="es-ES" dirty="0" smtClean="0"/>
-              <a:t>:</a:t>
+              <a:rPr lang="en-GB" dirty="0" smtClean="0"/>
+              <a:t>Convolutional neural networks are perfect solutions for multiple object classifying, although:</a:t>
             </a:r>
           </a:p>
           <a:p>
             <a:pPr lvl="1"/>
             <a:r>
-              <a:rPr lang="es-ES" dirty="0" smtClean="0"/>
-              <a:t>Small </a:t>
+              <a:rPr lang="en-GB" dirty="0" smtClean="0"/>
+              <a:t>Small datasets might proof insufficient and cause the net to misclassify</a:t>
             </a:r>
-            <a:r>
-              <a:rPr lang="es-ES" dirty="0" err="1" smtClean="0"/>
-              <a:t>datasets</a:t>
-            </a:r>
-            <a:r>
-              <a:rPr lang="es-ES" dirty="0" smtClean="0"/>
-              <a:t> </a:t>
-            </a:r>
-            <a:r>
-              <a:rPr lang="es-ES" dirty="0" err="1" smtClean="0"/>
-              <a:t>might</a:t>
-            </a:r>
-            <a:r>
-              <a:rPr lang="es-ES" dirty="0" smtClean="0"/>
-              <a:t> </a:t>
-            </a:r>
-            <a:r>
-              <a:rPr lang="es-ES" dirty="0" err="1" smtClean="0"/>
-              <a:t>proof</a:t>
-            </a:r>
-            <a:r>
-              <a:rPr lang="es-ES" dirty="0"/>
-              <a:t> </a:t>
-            </a:r>
-            <a:r>
-              <a:rPr lang="es-ES" dirty="0" err="1" smtClean="0"/>
-              <a:t>insufficient</a:t>
-            </a:r>
-            <a:r>
-              <a:rPr lang="es-ES" dirty="0" smtClean="0"/>
-              <a:t> and cause </a:t>
-            </a:r>
-            <a:r>
-              <a:rPr lang="es-ES" dirty="0" err="1" smtClean="0"/>
-              <a:t>the</a:t>
-            </a:r>
-            <a:r>
-              <a:rPr lang="es-ES" dirty="0" smtClean="0"/>
-              <a:t> net to </a:t>
-            </a:r>
-            <a:r>
-              <a:rPr lang="es-ES" dirty="0" err="1" smtClean="0"/>
-              <a:t>missclassify</a:t>
-            </a:r>
-            <a:endParaRPr lang="es-ES" dirty="0" smtClean="0"/>
           </a:p>
           <a:p>
             <a:pPr lvl="1"/>
             <a:r>
-              <a:rPr lang="es-ES" dirty="0" smtClean="0"/>
-              <a:t>High computacional training </a:t>
+              <a:rPr lang="en-GB" dirty="0" smtClean="0"/>
+              <a:t>High computational training cost</a:t>
             </a:r>
+          </a:p>
+          <a:p>
             <a:r>
-              <a:rPr lang="es-ES" dirty="0" err="1" smtClean="0"/>
-              <a:t>cost</a:t>
+              <a:rPr lang="en-GB" dirty="0" smtClean="0"/>
+              <a:t>Applicable to Video Surveillance and Lost/Forgot object detection</a:t>
             </a:r>
-            <a:endParaRPr lang="es-ES" dirty="0" smtClean="0"/>
-          </a:p>
-          <a:p>
-            <a:r>
-              <a:rPr lang="es-ES" dirty="0" err="1" smtClean="0"/>
-              <a:t>Applicable</a:t>
-            </a:r>
-            <a:r>
-              <a:rPr lang="es-ES" dirty="0" smtClean="0"/>
-              <a:t> to Video </a:t>
-            </a:r>
-            <a:r>
-              <a:rPr lang="es-ES" dirty="0" err="1" smtClean="0"/>
-              <a:t>Surveillance</a:t>
-            </a:r>
-            <a:r>
-              <a:rPr lang="es-ES" dirty="0" smtClean="0"/>
-              <a:t> and </a:t>
-            </a:r>
-            <a:r>
-              <a:rPr lang="es-ES" dirty="0" err="1" smtClean="0"/>
-              <a:t>Lost</a:t>
-            </a:r>
-            <a:r>
-              <a:rPr lang="es-ES" dirty="0" smtClean="0"/>
-              <a:t>/</a:t>
-            </a:r>
-            <a:r>
-              <a:rPr lang="es-ES" dirty="0" err="1" smtClean="0"/>
-              <a:t>Forgot</a:t>
-            </a:r>
-            <a:r>
-              <a:rPr lang="es-ES" dirty="0" smtClean="0"/>
-              <a:t> </a:t>
-            </a:r>
-            <a:r>
-              <a:rPr lang="es-ES" dirty="0" err="1" smtClean="0"/>
-              <a:t>object</a:t>
-            </a:r>
-            <a:r>
-              <a:rPr lang="es-ES" dirty="0" smtClean="0"/>
-              <a:t> </a:t>
-            </a:r>
-            <a:r>
-              <a:rPr lang="es-ES" dirty="0" err="1" smtClean="0"/>
-              <a:t>detection</a:t>
-            </a:r>
-            <a:endParaRPr lang="es-ES" dirty="0"/>
+            <a:endParaRPr lang="en-GB" dirty="0"/>
           </a:p>
         </p:txBody>
       </p:sp>
@@ -15454,7 +14266,7 @@
   <a:themeElements>
     <a:clrScheme name="Parallax">
       <a:dk1>
-        <a:sysClr val="windowText" lastClr="000000"/>
+        <a:sysClr val="windowText" lastClr="191919"/>
       </a:dk1>
       <a:lt1>
         <a:sysClr val="window" lastClr="FFFFFF"/>

--- a/BSaOR.pptx
+++ b/BSaOR.pptx
@@ -2506,19 +2506,19 @@
     </dgm:pt>
   </dgm:ptLst>
   <dgm:cxnLst>
-    <dgm:cxn modelId="{57568EC9-AC0E-47EE-9902-3696EDE4CBA1}" srcId="{F6EE7851-C99E-42E1-A7E5-87ECB45249D4}" destId="{F52AEB3E-45CE-4BCC-B453-6CAC410E04D7}" srcOrd="0" destOrd="0" parTransId="{A2F4F577-082A-425F-9DE2-A36D9DEF96C0}" sibTransId="{AC0D94FE-1DDF-4AF1-A20C-22C856948A85}"/>
-    <dgm:cxn modelId="{8400634A-2BE8-4D31-9609-D2F6A8EA8B8A}" srcId="{6F7B9366-2E62-4DA4-9CD1-1A82ABBA0760}" destId="{3D00C8E7-397E-452F-A16C-13089AAE4B0F}" srcOrd="0" destOrd="0" parTransId="{BFFDA095-DDC3-45F0-931F-EAC23DEFBB49}" sibTransId="{642BE7B0-1AA5-490E-A7F8-702DD25DE771}"/>
-    <dgm:cxn modelId="{3669D24A-DA0C-43B0-A748-11FDA113C41D}" type="presOf" srcId="{6F7B9366-2E62-4DA4-9CD1-1A82ABBA0760}" destId="{A4347F6C-0A0A-4C7F-BCA3-CFF69CD72302}" srcOrd="0" destOrd="0" presId="urn:microsoft.com/office/officeart/2009/3/layout/IncreasingArrowsProcess"/>
     <dgm:cxn modelId="{EC535102-454B-4F58-AD9E-A9C1B44F70A1}" type="presOf" srcId="{1A114840-A098-44F1-A1E8-A5DDE946BE98}" destId="{A3166FD1-E3E1-46A0-8054-8C8615213FC8}" srcOrd="0" destOrd="0" presId="urn:microsoft.com/office/officeart/2009/3/layout/IncreasingArrowsProcess"/>
+    <dgm:cxn modelId="{7FDFAC02-6E6E-4957-BE69-9680AC216157}" type="presOf" srcId="{3D00C8E7-397E-452F-A16C-13089AAE4B0F}" destId="{8185930C-B68A-44A9-AF48-591104627F6E}" srcOrd="0" destOrd="0" presId="urn:microsoft.com/office/officeart/2009/3/layout/IncreasingArrowsProcess"/>
     <dgm:cxn modelId="{225084B4-119E-4502-92A9-7D550E803704}" type="presOf" srcId="{BD775359-AE06-4F41-A561-6CD161F3FB51}" destId="{55580990-C586-4337-B3E2-F658C853F9DF}" srcOrd="0" destOrd="0" presId="urn:microsoft.com/office/officeart/2009/3/layout/IncreasingArrowsProcess"/>
-    <dgm:cxn modelId="{DB544C50-BF21-445D-AEE3-6E680DC9A813}" srcId="{6F7B9366-2E62-4DA4-9CD1-1A82ABBA0760}" destId="{F26D9AB4-87B3-47E2-BC7A-F73CB96CD5FA}" srcOrd="2" destOrd="0" parTransId="{A6AA4C81-A2B2-482E-AB7D-F7E1294D0442}" sibTransId="{10761EAD-B78E-466A-9FDC-3B625B99437D}"/>
     <dgm:cxn modelId="{30E5C2A5-4509-41FB-AAD0-448CAC345615}" srcId="{3D00C8E7-397E-452F-A16C-13089AAE4B0F}" destId="{1A114840-A098-44F1-A1E8-A5DDE946BE98}" srcOrd="0" destOrd="0" parTransId="{DCD6E51F-4EB8-4BB7-93F5-C70537641792}" sibTransId="{B5F192AC-EC16-4F33-9738-601DB03DFD79}"/>
     <dgm:cxn modelId="{7CEDF7A1-A9E4-4939-A61D-24B5E8AC3B15}" type="presOf" srcId="{F6EE7851-C99E-42E1-A7E5-87ECB45249D4}" destId="{04CC0CE8-796A-400A-AF96-B15EC4ED70F7}" srcOrd="0" destOrd="0" presId="urn:microsoft.com/office/officeart/2009/3/layout/IncreasingArrowsProcess"/>
+    <dgm:cxn modelId="{DB544C50-BF21-445D-AEE3-6E680DC9A813}" srcId="{6F7B9366-2E62-4DA4-9CD1-1A82ABBA0760}" destId="{F26D9AB4-87B3-47E2-BC7A-F73CB96CD5FA}" srcOrd="2" destOrd="0" parTransId="{A6AA4C81-A2B2-482E-AB7D-F7E1294D0442}" sibTransId="{10761EAD-B78E-466A-9FDC-3B625B99437D}"/>
+    <dgm:cxn modelId="{8ADBE089-A87E-411F-80C1-487C036F0C5F}" srcId="{F26D9AB4-87B3-47E2-BC7A-F73CB96CD5FA}" destId="{BD775359-AE06-4F41-A561-6CD161F3FB51}" srcOrd="0" destOrd="0" parTransId="{80387DA8-A5BE-46AD-873C-C5A1C662EFAD}" sibTransId="{B346D684-BF00-4E3F-A82C-0F22B1A259CF}"/>
     <dgm:cxn modelId="{2E59C4D2-65A4-4F17-85E5-3AE9A252F195}" srcId="{6F7B9366-2E62-4DA4-9CD1-1A82ABBA0760}" destId="{F6EE7851-C99E-42E1-A7E5-87ECB45249D4}" srcOrd="1" destOrd="0" parTransId="{B4110E3A-AF04-4E18-809A-6D11E21E919C}" sibTransId="{1F768B62-AB46-4702-B60D-F6D0CE2A682D}"/>
+    <dgm:cxn modelId="{8400634A-2BE8-4D31-9609-D2F6A8EA8B8A}" srcId="{6F7B9366-2E62-4DA4-9CD1-1A82ABBA0760}" destId="{3D00C8E7-397E-452F-A16C-13089AAE4B0F}" srcOrd="0" destOrd="0" parTransId="{BFFDA095-DDC3-45F0-931F-EAC23DEFBB49}" sibTransId="{642BE7B0-1AA5-490E-A7F8-702DD25DE771}"/>
+    <dgm:cxn modelId="{3107D120-F885-466C-B566-C4FCB1942EB1}" type="presOf" srcId="{F26D9AB4-87B3-47E2-BC7A-F73CB96CD5FA}" destId="{64767A4A-738D-4555-8175-45549CA72A8A}" srcOrd="0" destOrd="0" presId="urn:microsoft.com/office/officeart/2009/3/layout/IncreasingArrowsProcess"/>
+    <dgm:cxn modelId="{3669D24A-DA0C-43B0-A748-11FDA113C41D}" type="presOf" srcId="{6F7B9366-2E62-4DA4-9CD1-1A82ABBA0760}" destId="{A4347F6C-0A0A-4C7F-BCA3-CFF69CD72302}" srcOrd="0" destOrd="0" presId="urn:microsoft.com/office/officeart/2009/3/layout/IncreasingArrowsProcess"/>
     <dgm:cxn modelId="{D8FCCBFD-5C31-457F-A140-85D4B36A6DC5}" type="presOf" srcId="{F52AEB3E-45CE-4BCC-B453-6CAC410E04D7}" destId="{A89AFF3D-79BD-43DE-887E-2A4E81F7B2E2}" srcOrd="0" destOrd="0" presId="urn:microsoft.com/office/officeart/2009/3/layout/IncreasingArrowsProcess"/>
-    <dgm:cxn modelId="{7FDFAC02-6E6E-4957-BE69-9680AC216157}" type="presOf" srcId="{3D00C8E7-397E-452F-A16C-13089AAE4B0F}" destId="{8185930C-B68A-44A9-AF48-591104627F6E}" srcOrd="0" destOrd="0" presId="urn:microsoft.com/office/officeart/2009/3/layout/IncreasingArrowsProcess"/>
-    <dgm:cxn modelId="{8ADBE089-A87E-411F-80C1-487C036F0C5F}" srcId="{F26D9AB4-87B3-47E2-BC7A-F73CB96CD5FA}" destId="{BD775359-AE06-4F41-A561-6CD161F3FB51}" srcOrd="0" destOrd="0" parTransId="{80387DA8-A5BE-46AD-873C-C5A1C662EFAD}" sibTransId="{B346D684-BF00-4E3F-A82C-0F22B1A259CF}"/>
-    <dgm:cxn modelId="{3107D120-F885-466C-B566-C4FCB1942EB1}" type="presOf" srcId="{F26D9AB4-87B3-47E2-BC7A-F73CB96CD5FA}" destId="{64767A4A-738D-4555-8175-45549CA72A8A}" srcOrd="0" destOrd="0" presId="urn:microsoft.com/office/officeart/2009/3/layout/IncreasingArrowsProcess"/>
+    <dgm:cxn modelId="{57568EC9-AC0E-47EE-9902-3696EDE4CBA1}" srcId="{F6EE7851-C99E-42E1-A7E5-87ECB45249D4}" destId="{F52AEB3E-45CE-4BCC-B453-6CAC410E04D7}" srcOrd="0" destOrd="0" parTransId="{A2F4F577-082A-425F-9DE2-A36D9DEF96C0}" sibTransId="{AC0D94FE-1DDF-4AF1-A20C-22C856948A85}"/>
     <dgm:cxn modelId="{513A4A6C-E0E8-4696-8339-371A5A9246E4}" type="presParOf" srcId="{A4347F6C-0A0A-4C7F-BCA3-CFF69CD72302}" destId="{8185930C-B68A-44A9-AF48-591104627F6E}" srcOrd="0" destOrd="0" presId="urn:microsoft.com/office/officeart/2009/3/layout/IncreasingArrowsProcess"/>
     <dgm:cxn modelId="{601E7241-E4E6-4019-A38F-7C42B7F5F32F}" type="presParOf" srcId="{A4347F6C-0A0A-4C7F-BCA3-CFF69CD72302}" destId="{A3166FD1-E3E1-46A0-8054-8C8615213FC8}" srcOrd="1" destOrd="0" presId="urn:microsoft.com/office/officeart/2009/3/layout/IncreasingArrowsProcess"/>
     <dgm:cxn modelId="{27AE11B9-7752-4C96-BC9D-3C7BA279384C}" type="presParOf" srcId="{A4347F6C-0A0A-4C7F-BCA3-CFF69CD72302}" destId="{04CC0CE8-796A-400A-AF96-B15EC4ED70F7}" srcOrd="2" destOrd="0" presId="urn:microsoft.com/office/officeart/2009/3/layout/IncreasingArrowsProcess"/>
@@ -2556,495 +2556,6 @@
       <dsp:cNvGrpSpPr/>
     </dsp:nvGrpSpPr>
     <dsp:grpSpPr/>
-    <dsp:sp modelId="{8185930C-B68A-44A9-AF48-591104627F6E}">
-      <dsp:nvSpPr>
-        <dsp:cNvPr id="0" name=""/>
-        <dsp:cNvSpPr/>
-      </dsp:nvSpPr>
-      <dsp:spPr>
-        <a:xfrm>
-          <a:off x="0" y="541632"/>
-          <a:ext cx="4325257" cy="629922"/>
-        </a:xfrm>
-        <a:prstGeom prst="rightArrow">
-          <a:avLst>
-            <a:gd name="adj1" fmla="val 50000"/>
-            <a:gd name="adj2" fmla="val 50000"/>
-          </a:avLst>
-        </a:prstGeom>
-        <a:solidFill>
-          <a:schemeClr val="accent1">
-            <a:hueOff val="0"/>
-            <a:satOff val="0"/>
-            <a:lumOff val="0"/>
-            <a:alphaOff val="0"/>
-          </a:schemeClr>
-        </a:solidFill>
-        <a:ln w="15875" cap="rnd" cmpd="sng" algn="ctr">
-          <a:solidFill>
-            <a:schemeClr val="lt1">
-              <a:hueOff val="0"/>
-              <a:satOff val="0"/>
-              <a:lumOff val="0"/>
-              <a:alphaOff val="0"/>
-            </a:schemeClr>
-          </a:solidFill>
-          <a:prstDash val="solid"/>
-        </a:ln>
-        <a:effectLst/>
-      </dsp:spPr>
-      <dsp:style>
-        <a:lnRef idx="2">
-          <a:scrgbClr r="0" g="0" b="0"/>
-        </a:lnRef>
-        <a:fillRef idx="1">
-          <a:scrgbClr r="0" g="0" b="0"/>
-        </a:fillRef>
-        <a:effectRef idx="0">
-          <a:scrgbClr r="0" g="0" b="0"/>
-        </a:effectRef>
-        <a:fontRef idx="minor">
-          <a:schemeClr val="lt1"/>
-        </a:fontRef>
-      </dsp:style>
-      <dsp:txBody>
-        <a:bodyPr spcFirstLastPara="0" vert="horz" wrap="square" lIns="41910" tIns="41910" rIns="254000" bIns="100000" numCol="1" spcCol="1270" anchor="ctr" anchorCtr="0">
-          <a:noAutofit/>
-        </a:bodyPr>
-        <a:lstStyle/>
-        <a:p>
-          <a:pPr lvl="0" algn="l" defTabSz="488950">
-            <a:lnSpc>
-              <a:spcPct val="90000"/>
-            </a:lnSpc>
-            <a:spcBef>
-              <a:spcPct val="0"/>
-            </a:spcBef>
-            <a:spcAft>
-              <a:spcPct val="35000"/>
-            </a:spcAft>
-          </a:pPr>
-          <a:r>
-            <a:rPr lang="es-ES" sz="1100" kern="1200" dirty="0" smtClean="0"/>
-            <a:t>Compute </a:t>
-          </a:r>
-          <a:r>
-            <a:rPr lang="es-ES" sz="1100" kern="1200" dirty="0" err="1" smtClean="0"/>
-            <a:t>Difference</a:t>
-          </a:r>
-          <a:endParaRPr lang="es-ES" sz="1100" kern="1200" dirty="0"/>
-        </a:p>
-      </dsp:txBody>
-      <dsp:txXfrm>
-        <a:off x="0" y="699113"/>
-        <a:ext cx="4167777" cy="314961"/>
-      </dsp:txXfrm>
-    </dsp:sp>
-    <dsp:sp modelId="{A3166FD1-E3E1-46A0-8054-8C8615213FC8}">
-      <dsp:nvSpPr>
-        <dsp:cNvPr id="0" name=""/>
-        <dsp:cNvSpPr/>
-      </dsp:nvSpPr>
-      <dsp:spPr>
-        <a:xfrm>
-          <a:off x="0" y="1027393"/>
-          <a:ext cx="1332179" cy="1213462"/>
-        </a:xfrm>
-        <a:prstGeom prst="rect">
-          <a:avLst/>
-        </a:prstGeom>
-        <a:solidFill>
-          <a:schemeClr val="lt1">
-            <a:hueOff val="0"/>
-            <a:satOff val="0"/>
-            <a:lumOff val="0"/>
-            <a:alphaOff val="0"/>
-          </a:schemeClr>
-        </a:solidFill>
-        <a:ln w="15875" cap="rnd" cmpd="sng" algn="ctr">
-          <a:solidFill>
-            <a:schemeClr val="accent1">
-              <a:hueOff val="0"/>
-              <a:satOff val="0"/>
-              <a:lumOff val="0"/>
-              <a:alphaOff val="0"/>
-            </a:schemeClr>
-          </a:solidFill>
-          <a:prstDash val="solid"/>
-        </a:ln>
-        <a:effectLst/>
-      </dsp:spPr>
-      <dsp:style>
-        <a:lnRef idx="2">
-          <a:scrgbClr r="0" g="0" b="0"/>
-        </a:lnRef>
-        <a:fillRef idx="1">
-          <a:scrgbClr r="0" g="0" b="0"/>
-        </a:fillRef>
-        <a:effectRef idx="0">
-          <a:scrgbClr r="0" g="0" b="0"/>
-        </a:effectRef>
-        <a:fontRef idx="minor"/>
-      </dsp:style>
-      <dsp:txBody>
-        <a:bodyPr spcFirstLastPara="0" vert="horz" wrap="square" lIns="91440" tIns="91440" rIns="91440" bIns="91440" numCol="1" spcCol="1270" anchor="t" anchorCtr="0">
-          <a:noAutofit/>
-        </a:bodyPr>
-        <a:lstStyle/>
-        <a:p>
-          <a:pPr lvl="0" algn="l" defTabSz="1066800">
-            <a:lnSpc>
-              <a:spcPct val="90000"/>
-            </a:lnSpc>
-            <a:spcBef>
-              <a:spcPct val="0"/>
-            </a:spcBef>
-            <a:spcAft>
-              <a:spcPct val="35000"/>
-            </a:spcAft>
-          </a:pPr>
-          <a:r>
-            <a:rPr lang="es-ES" sz="2400" kern="1200" dirty="0" err="1" smtClean="0"/>
-            <a:t>Frame</a:t>
-          </a:r>
-          <a:r>
-            <a:rPr lang="es-ES" sz="2400" kern="1200" dirty="0" smtClean="0"/>
-            <a:t> 1</a:t>
-          </a:r>
-          <a:endParaRPr lang="es-ES" sz="2400" kern="1200" dirty="0"/>
-        </a:p>
-      </dsp:txBody>
-      <dsp:txXfrm>
-        <a:off x="0" y="1027393"/>
-        <a:ext cx="1332179" cy="1213462"/>
-      </dsp:txXfrm>
-    </dsp:sp>
-    <dsp:sp modelId="{04CC0CE8-796A-400A-AF96-B15EC4ED70F7}">
-      <dsp:nvSpPr>
-        <dsp:cNvPr id="0" name=""/>
-        <dsp:cNvSpPr/>
-      </dsp:nvSpPr>
-      <dsp:spPr>
-        <a:xfrm>
-          <a:off x="1332179" y="751606"/>
-          <a:ext cx="2993077" cy="629922"/>
-        </a:xfrm>
-        <a:prstGeom prst="rightArrow">
-          <a:avLst>
-            <a:gd name="adj1" fmla="val 50000"/>
-            <a:gd name="adj2" fmla="val 50000"/>
-          </a:avLst>
-        </a:prstGeom>
-        <a:solidFill>
-          <a:schemeClr val="accent1">
-            <a:hueOff val="0"/>
-            <a:satOff val="0"/>
-            <a:lumOff val="0"/>
-            <a:alphaOff val="0"/>
-          </a:schemeClr>
-        </a:solidFill>
-        <a:ln w="15875" cap="rnd" cmpd="sng" algn="ctr">
-          <a:solidFill>
-            <a:schemeClr val="lt1">
-              <a:hueOff val="0"/>
-              <a:satOff val="0"/>
-              <a:lumOff val="0"/>
-              <a:alphaOff val="0"/>
-            </a:schemeClr>
-          </a:solidFill>
-          <a:prstDash val="solid"/>
-        </a:ln>
-        <a:effectLst/>
-      </dsp:spPr>
-      <dsp:style>
-        <a:lnRef idx="2">
-          <a:scrgbClr r="0" g="0" b="0"/>
-        </a:lnRef>
-        <a:fillRef idx="1">
-          <a:scrgbClr r="0" g="0" b="0"/>
-        </a:fillRef>
-        <a:effectRef idx="0">
-          <a:scrgbClr r="0" g="0" b="0"/>
-        </a:effectRef>
-        <a:fontRef idx="minor">
-          <a:schemeClr val="lt1"/>
-        </a:fontRef>
-      </dsp:style>
-      <dsp:txBody>
-        <a:bodyPr spcFirstLastPara="0" vert="horz" wrap="square" lIns="41910" tIns="41910" rIns="254000" bIns="100000" numCol="1" spcCol="1270" anchor="ctr" anchorCtr="0">
-          <a:noAutofit/>
-        </a:bodyPr>
-        <a:lstStyle/>
-        <a:p>
-          <a:pPr lvl="0" algn="l" defTabSz="488950">
-            <a:lnSpc>
-              <a:spcPct val="90000"/>
-            </a:lnSpc>
-            <a:spcBef>
-              <a:spcPct val="0"/>
-            </a:spcBef>
-            <a:spcAft>
-              <a:spcPct val="35000"/>
-            </a:spcAft>
-          </a:pPr>
-          <a:r>
-            <a:rPr lang="es-ES" sz="1100" kern="1200" dirty="0" smtClean="0"/>
-            <a:t>Compute </a:t>
-          </a:r>
-          <a:r>
-            <a:rPr lang="es-ES" sz="1100" kern="1200" dirty="0" err="1" smtClean="0"/>
-            <a:t>Difference</a:t>
-          </a:r>
-          <a:endParaRPr lang="es-ES" sz="1100" kern="1200" dirty="0"/>
-        </a:p>
-      </dsp:txBody>
-      <dsp:txXfrm>
-        <a:off x="1332179" y="909087"/>
-        <a:ext cx="2835597" cy="314961"/>
-      </dsp:txXfrm>
-    </dsp:sp>
-    <dsp:sp modelId="{A89AFF3D-79BD-43DE-887E-2A4E81F7B2E2}">
-      <dsp:nvSpPr>
-        <dsp:cNvPr id="0" name=""/>
-        <dsp:cNvSpPr/>
-      </dsp:nvSpPr>
-      <dsp:spPr>
-        <a:xfrm>
-          <a:off x="1332179" y="1237367"/>
-          <a:ext cx="1332179" cy="1213462"/>
-        </a:xfrm>
-        <a:prstGeom prst="rect">
-          <a:avLst/>
-        </a:prstGeom>
-        <a:solidFill>
-          <a:schemeClr val="lt1">
-            <a:hueOff val="0"/>
-            <a:satOff val="0"/>
-            <a:lumOff val="0"/>
-            <a:alphaOff val="0"/>
-          </a:schemeClr>
-        </a:solidFill>
-        <a:ln w="15875" cap="rnd" cmpd="sng" algn="ctr">
-          <a:solidFill>
-            <a:schemeClr val="accent1">
-              <a:hueOff val="0"/>
-              <a:satOff val="0"/>
-              <a:lumOff val="0"/>
-              <a:alphaOff val="0"/>
-            </a:schemeClr>
-          </a:solidFill>
-          <a:prstDash val="solid"/>
-        </a:ln>
-        <a:effectLst/>
-      </dsp:spPr>
-      <dsp:style>
-        <a:lnRef idx="2">
-          <a:scrgbClr r="0" g="0" b="0"/>
-        </a:lnRef>
-        <a:fillRef idx="1">
-          <a:scrgbClr r="0" g="0" b="0"/>
-        </a:fillRef>
-        <a:effectRef idx="0">
-          <a:scrgbClr r="0" g="0" b="0"/>
-        </a:effectRef>
-        <a:fontRef idx="minor"/>
-      </dsp:style>
-      <dsp:txBody>
-        <a:bodyPr spcFirstLastPara="0" vert="horz" wrap="square" lIns="91440" tIns="91440" rIns="91440" bIns="91440" numCol="1" spcCol="1270" anchor="t" anchorCtr="0">
-          <a:noAutofit/>
-        </a:bodyPr>
-        <a:lstStyle/>
-        <a:p>
-          <a:pPr lvl="0" algn="l" defTabSz="1066800">
-            <a:lnSpc>
-              <a:spcPct val="90000"/>
-            </a:lnSpc>
-            <a:spcBef>
-              <a:spcPct val="0"/>
-            </a:spcBef>
-            <a:spcAft>
-              <a:spcPct val="35000"/>
-            </a:spcAft>
-          </a:pPr>
-          <a:r>
-            <a:rPr lang="es-ES" sz="2400" kern="1200" dirty="0" err="1" smtClean="0"/>
-            <a:t>Frame</a:t>
-          </a:r>
-          <a:r>
-            <a:rPr lang="es-ES" sz="2400" kern="1200" dirty="0" smtClean="0"/>
-            <a:t> 2</a:t>
-          </a:r>
-          <a:endParaRPr lang="es-ES" sz="2400" kern="1200" dirty="0"/>
-        </a:p>
-      </dsp:txBody>
-      <dsp:txXfrm>
-        <a:off x="1332179" y="1237367"/>
-        <a:ext cx="1332179" cy="1213462"/>
-      </dsp:txXfrm>
-    </dsp:sp>
-    <dsp:sp modelId="{64767A4A-738D-4555-8175-45549CA72A8A}">
-      <dsp:nvSpPr>
-        <dsp:cNvPr id="0" name=""/>
-        <dsp:cNvSpPr/>
-      </dsp:nvSpPr>
-      <dsp:spPr>
-        <a:xfrm>
-          <a:off x="2664358" y="961580"/>
-          <a:ext cx="1660898" cy="629922"/>
-        </a:xfrm>
-        <a:prstGeom prst="rightArrow">
-          <a:avLst>
-            <a:gd name="adj1" fmla="val 50000"/>
-            <a:gd name="adj2" fmla="val 50000"/>
-          </a:avLst>
-        </a:prstGeom>
-        <a:solidFill>
-          <a:schemeClr val="accent1">
-            <a:hueOff val="0"/>
-            <a:satOff val="0"/>
-            <a:lumOff val="0"/>
-            <a:alphaOff val="0"/>
-          </a:schemeClr>
-        </a:solidFill>
-        <a:ln w="15875" cap="rnd" cmpd="sng" algn="ctr">
-          <a:solidFill>
-            <a:schemeClr val="lt1">
-              <a:hueOff val="0"/>
-              <a:satOff val="0"/>
-              <a:lumOff val="0"/>
-              <a:alphaOff val="0"/>
-            </a:schemeClr>
-          </a:solidFill>
-          <a:prstDash val="solid"/>
-        </a:ln>
-        <a:effectLst/>
-      </dsp:spPr>
-      <dsp:style>
-        <a:lnRef idx="2">
-          <a:scrgbClr r="0" g="0" b="0"/>
-        </a:lnRef>
-        <a:fillRef idx="1">
-          <a:scrgbClr r="0" g="0" b="0"/>
-        </a:fillRef>
-        <a:effectRef idx="0">
-          <a:scrgbClr r="0" g="0" b="0"/>
-        </a:effectRef>
-        <a:fontRef idx="minor">
-          <a:schemeClr val="lt1"/>
-        </a:fontRef>
-      </dsp:style>
-      <dsp:txBody>
-        <a:bodyPr spcFirstLastPara="0" vert="horz" wrap="square" lIns="41910" tIns="41910" rIns="254000" bIns="100000" numCol="1" spcCol="1270" anchor="ctr" anchorCtr="0">
-          <a:noAutofit/>
-        </a:bodyPr>
-        <a:lstStyle/>
-        <a:p>
-          <a:pPr lvl="0" algn="l" defTabSz="488950">
-            <a:lnSpc>
-              <a:spcPct val="90000"/>
-            </a:lnSpc>
-            <a:spcBef>
-              <a:spcPct val="0"/>
-            </a:spcBef>
-            <a:spcAft>
-              <a:spcPct val="35000"/>
-            </a:spcAft>
-          </a:pPr>
-          <a:r>
-            <a:rPr lang="es-ES" sz="1100" kern="1200" dirty="0" smtClean="0"/>
-            <a:t>Compute </a:t>
-          </a:r>
-          <a:r>
-            <a:rPr lang="es-ES" sz="1100" kern="1200" dirty="0" err="1" smtClean="0"/>
-            <a:t>Difference</a:t>
-          </a:r>
-          <a:endParaRPr lang="es-ES" sz="1100" kern="1200" dirty="0"/>
-        </a:p>
-      </dsp:txBody>
-      <dsp:txXfrm>
-        <a:off x="2664358" y="1119061"/>
-        <a:ext cx="1503418" cy="314961"/>
-      </dsp:txXfrm>
-    </dsp:sp>
-    <dsp:sp modelId="{55580990-C586-4337-B3E2-F658C853F9DF}">
-      <dsp:nvSpPr>
-        <dsp:cNvPr id="0" name=""/>
-        <dsp:cNvSpPr/>
-      </dsp:nvSpPr>
-      <dsp:spPr>
-        <a:xfrm>
-          <a:off x="2664358" y="1447341"/>
-          <a:ext cx="1332179" cy="1195703"/>
-        </a:xfrm>
-        <a:prstGeom prst="rect">
-          <a:avLst/>
-        </a:prstGeom>
-        <a:solidFill>
-          <a:schemeClr val="lt1">
-            <a:hueOff val="0"/>
-            <a:satOff val="0"/>
-            <a:lumOff val="0"/>
-            <a:alphaOff val="0"/>
-          </a:schemeClr>
-        </a:solidFill>
-        <a:ln w="15875" cap="rnd" cmpd="sng" algn="ctr">
-          <a:solidFill>
-            <a:schemeClr val="accent1">
-              <a:hueOff val="0"/>
-              <a:satOff val="0"/>
-              <a:lumOff val="0"/>
-              <a:alphaOff val="0"/>
-            </a:schemeClr>
-          </a:solidFill>
-          <a:prstDash val="solid"/>
-        </a:ln>
-        <a:effectLst/>
-      </dsp:spPr>
-      <dsp:style>
-        <a:lnRef idx="2">
-          <a:scrgbClr r="0" g="0" b="0"/>
-        </a:lnRef>
-        <a:fillRef idx="1">
-          <a:scrgbClr r="0" g="0" b="0"/>
-        </a:fillRef>
-        <a:effectRef idx="0">
-          <a:scrgbClr r="0" g="0" b="0"/>
-        </a:effectRef>
-        <a:fontRef idx="minor"/>
-      </dsp:style>
-      <dsp:txBody>
-        <a:bodyPr spcFirstLastPara="0" vert="horz" wrap="square" lIns="91440" tIns="91440" rIns="91440" bIns="91440" numCol="1" spcCol="1270" anchor="t" anchorCtr="0">
-          <a:noAutofit/>
-        </a:bodyPr>
-        <a:lstStyle/>
-        <a:p>
-          <a:pPr lvl="0" algn="l" defTabSz="1066800">
-            <a:lnSpc>
-              <a:spcPct val="90000"/>
-            </a:lnSpc>
-            <a:spcBef>
-              <a:spcPct val="0"/>
-            </a:spcBef>
-            <a:spcAft>
-              <a:spcPct val="35000"/>
-            </a:spcAft>
-          </a:pPr>
-          <a:r>
-            <a:rPr lang="es-ES" sz="2400" kern="1200" dirty="0" err="1" smtClean="0"/>
-            <a:t>Frame</a:t>
-          </a:r>
-          <a:r>
-            <a:rPr lang="es-ES" sz="2400" kern="1200" dirty="0" smtClean="0"/>
-            <a:t> k</a:t>
-          </a:r>
-          <a:endParaRPr lang="es-ES" sz="2400" kern="1200" dirty="0"/>
-        </a:p>
-      </dsp:txBody>
-      <dsp:txXfrm>
-        <a:off x="2664358" y="1447341"/>
-        <a:ext cx="1332179" cy="1195703"/>
-      </dsp:txXfrm>
-    </dsp:sp>
   </dsp:spTree>
 </dsp:drawing>
 </file>
@@ -12893,6 +12404,44 @@
           </a:p>
         </p:txBody>
       </p:sp>
+      <p:sp>
+        <p:nvSpPr>
+          <p:cNvPr id="4" name="CuadroTexto 3"/>
+          <p:cNvSpPr txBox="1"/>
+          <p:nvPr/>
+        </p:nvSpPr>
+        <p:spPr>
+          <a:xfrm>
+            <a:off x="9806724" y="5966135"/>
+            <a:ext cx="1696298" cy="646331"/>
+          </a:xfrm>
+          <a:prstGeom prst="rect">
+            <a:avLst/>
+          </a:prstGeom>
+          <a:noFill/>
+        </p:spPr>
+        <p:txBody>
+          <a:bodyPr wrap="none" rtlCol="0">
+            <a:spAutoFit/>
+          </a:bodyPr>
+          <a:lstStyle/>
+          <a:p>
+            <a:pPr algn="r"/>
+            <a:r>
+              <a:rPr lang="en-US" dirty="0" smtClean="0"/>
+              <a:t>Cristian Muriel</a:t>
+            </a:r>
+          </a:p>
+          <a:p>
+            <a:pPr algn="r"/>
+            <a:r>
+              <a:rPr lang="en-US" dirty="0" smtClean="0"/>
+              <a:t>Guillem Pascual</a:t>
+            </a:r>
+            <a:endParaRPr lang="en-US" dirty="0"/>
+          </a:p>
+        </p:txBody>
+      </p:sp>
     </p:spTree>
     <p:extLst>
       <p:ext uri="{BB962C8B-B14F-4D97-AF65-F5344CB8AC3E}">
@@ -13323,8 +12872,8 @@
           </a:p>
         </p:txBody>
       </p:sp>
-      <mc:AlternateContent xmlns:mc="http://schemas.openxmlformats.org/markup-compatibility/2006">
-        <mc:Choice xmlns:a14="http://schemas.microsoft.com/office/drawing/2010/main" Requires="a14">
+      <mc:AlternateContent xmlns:mc="http://schemas.openxmlformats.org/markup-compatibility/2006" xmlns:a14="http://schemas.microsoft.com/office/drawing/2010/main">
+        <mc:Choice Requires="a14">
           <p:sp>
             <p:nvSpPr>
               <p:cNvPr id="8" name="CuadroTexto 7"/>
@@ -13349,11 +12898,7 @@
               <a:p>
                 <a:r>
                   <a:rPr lang="es-ES" sz="3200" dirty="0" smtClean="0"/>
-                  <a:t>BG’ = BG * (1 </a:t>
-                </a:r>
-                <a:r>
-                  <a:rPr lang="es-ES" sz="3200" dirty="0" smtClean="0"/>
-                  <a:t>– </a:t>
+                  <a:t>BG’ = BG * (1 – </a:t>
                 </a:r>
                 <a14:m>
                   <m:oMath xmlns:m="http://schemas.openxmlformats.org/officeDocument/2006/math">
@@ -13368,11 +12913,7 @@
                 </a14:m>
                 <a:r>
                   <a:rPr lang="es-ES" sz="3200" dirty="0" smtClean="0"/>
-                  <a:t>) </a:t>
-                </a:r>
-                <a:r>
-                  <a:rPr lang="es-ES" sz="3200" dirty="0" smtClean="0"/>
-                  <a:t>+</a:t>
+                  <a:t>) +</a:t>
                 </a:r>
               </a:p>
               <a:p>
@@ -13404,7 +12945,7 @@
             </p:txBody>
           </p:sp>
         </mc:Choice>
-        <mc:Fallback>
+        <mc:Fallback xmlns="">
           <p:sp>
             <p:nvSpPr>
               <p:cNvPr id="8" name="CuadroTexto 7"/>
@@ -13477,8 +13018,8 @@
           </a:p>
         </p:txBody>
       </p:sp>
-      <mc:AlternateContent xmlns:mc="http://schemas.openxmlformats.org/markup-compatibility/2006">
-        <mc:Choice xmlns:a14="http://schemas.microsoft.com/office/drawing/2010/main" Requires="a14">
+      <mc:AlternateContent xmlns:mc="http://schemas.openxmlformats.org/markup-compatibility/2006" xmlns:a14="http://schemas.microsoft.com/office/drawing/2010/main">
+        <mc:Choice Requires="a14">
           <p:sp>
             <p:nvSpPr>
               <p:cNvPr id="3" name="CuadroTexto 2"/>
@@ -13521,7 +13062,7 @@
             </p:txBody>
           </p:sp>
         </mc:Choice>
-        <mc:Fallback>
+        <mc:Fallback xmlns="">
           <p:sp>
             <p:nvSpPr>
               <p:cNvPr id="3" name="CuadroTexto 2"/>

--- a/BSaOR.pptx
+++ b/BSaOR.pptx
@@ -6812,7 +6812,7 @@
           <a:p>
             <a:fld id="{4449FA06-FD21-4DBB-B6CF-A10E5BB8083C}" type="datetimeFigureOut">
               <a:rPr lang="es-ES" smtClean="0"/>
-              <a:t>16/12/2014</a:t>
+              <a:t>17/12/2014</a:t>
             </a:fld>
             <a:endParaRPr lang="es-ES"/>
           </a:p>
@@ -7108,7 +7108,7 @@
           <a:p>
             <a:fld id="{4449FA06-FD21-4DBB-B6CF-A10E5BB8083C}" type="datetimeFigureOut">
               <a:rPr lang="es-ES" smtClean="0"/>
-              <a:t>16/12/2014</a:t>
+              <a:t>17/12/2014</a:t>
             </a:fld>
             <a:endParaRPr lang="es-ES"/>
           </a:p>
@@ -7356,7 +7356,7 @@
           <a:p>
             <a:fld id="{4449FA06-FD21-4DBB-B6CF-A10E5BB8083C}" type="datetimeFigureOut">
               <a:rPr lang="es-ES" smtClean="0"/>
-              <a:t>16/12/2014</a:t>
+              <a:t>17/12/2014</a:t>
             </a:fld>
             <a:endParaRPr lang="es-ES"/>
           </a:p>
@@ -7896,7 +7896,7 @@
           <a:p>
             <a:fld id="{4449FA06-FD21-4DBB-B6CF-A10E5BB8083C}" type="datetimeFigureOut">
               <a:rPr lang="es-ES" smtClean="0"/>
-              <a:t>16/12/2014</a:t>
+              <a:t>17/12/2014</a:t>
             </a:fld>
             <a:endParaRPr lang="es-ES"/>
           </a:p>
@@ -8144,7 +8144,7 @@
           <a:p>
             <a:fld id="{4449FA06-FD21-4DBB-B6CF-A10E5BB8083C}" type="datetimeFigureOut">
               <a:rPr lang="es-ES" smtClean="0"/>
-              <a:t>16/12/2014</a:t>
+              <a:t>17/12/2014</a:t>
             </a:fld>
             <a:endParaRPr lang="es-ES"/>
           </a:p>
@@ -8676,7 +8676,7 @@
           <a:p>
             <a:fld id="{4449FA06-FD21-4DBB-B6CF-A10E5BB8083C}" type="datetimeFigureOut">
               <a:rPr lang="es-ES" smtClean="0"/>
-              <a:t>16/12/2014</a:t>
+              <a:t>17/12/2014</a:t>
             </a:fld>
             <a:endParaRPr lang="es-ES"/>
           </a:p>
@@ -8973,7 +8973,7 @@
           <a:p>
             <a:fld id="{4449FA06-FD21-4DBB-B6CF-A10E5BB8083C}" type="datetimeFigureOut">
               <a:rPr lang="es-ES" smtClean="0"/>
-              <a:t>16/12/2014</a:t>
+              <a:t>17/12/2014</a:t>
             </a:fld>
             <a:endParaRPr lang="es-ES"/>
           </a:p>
@@ -9147,7 +9147,7 @@
           <a:p>
             <a:fld id="{4449FA06-FD21-4DBB-B6CF-A10E5BB8083C}" type="datetimeFigureOut">
               <a:rPr lang="es-ES" smtClean="0"/>
-              <a:t>16/12/2014</a:t>
+              <a:t>17/12/2014</a:t>
             </a:fld>
             <a:endParaRPr lang="es-ES"/>
           </a:p>
@@ -9327,7 +9327,7 @@
           <a:p>
             <a:fld id="{4449FA06-FD21-4DBB-B6CF-A10E5BB8083C}" type="datetimeFigureOut">
               <a:rPr lang="es-ES" smtClean="0"/>
-              <a:t>16/12/2014</a:t>
+              <a:t>17/12/2014</a:t>
             </a:fld>
             <a:endParaRPr lang="es-ES"/>
           </a:p>
@@ -9497,7 +9497,7 @@
           <a:p>
             <a:fld id="{4449FA06-FD21-4DBB-B6CF-A10E5BB8083C}" type="datetimeFigureOut">
               <a:rPr lang="es-ES" smtClean="0"/>
-              <a:t>16/12/2014</a:t>
+              <a:t>17/12/2014</a:t>
             </a:fld>
             <a:endParaRPr lang="es-ES"/>
           </a:p>
@@ -9748,7 +9748,7 @@
           <a:p>
             <a:fld id="{4449FA06-FD21-4DBB-B6CF-A10E5BB8083C}" type="datetimeFigureOut">
               <a:rPr lang="es-ES" smtClean="0"/>
-              <a:t>16/12/2014</a:t>
+              <a:t>17/12/2014</a:t>
             </a:fld>
             <a:endParaRPr lang="es-ES"/>
           </a:p>
@@ -10045,7 +10045,7 @@
           <a:p>
             <a:fld id="{4449FA06-FD21-4DBB-B6CF-A10E5BB8083C}" type="datetimeFigureOut">
               <a:rPr lang="es-ES" smtClean="0"/>
-              <a:t>16/12/2014</a:t>
+              <a:t>17/12/2014</a:t>
             </a:fld>
             <a:endParaRPr lang="es-ES"/>
           </a:p>
@@ -10487,7 +10487,7 @@
           <a:p>
             <a:fld id="{4449FA06-FD21-4DBB-B6CF-A10E5BB8083C}" type="datetimeFigureOut">
               <a:rPr lang="es-ES" smtClean="0"/>
-              <a:t>16/12/2014</a:t>
+              <a:t>17/12/2014</a:t>
             </a:fld>
             <a:endParaRPr lang="es-ES"/>
           </a:p>
@@ -10605,7 +10605,7 @@
           <a:p>
             <a:fld id="{4449FA06-FD21-4DBB-B6CF-A10E5BB8083C}" type="datetimeFigureOut">
               <a:rPr lang="es-ES" smtClean="0"/>
-              <a:t>16/12/2014</a:t>
+              <a:t>17/12/2014</a:t>
             </a:fld>
             <a:endParaRPr lang="es-ES"/>
           </a:p>
@@ -10700,7 +10700,7 @@
           <a:p>
             <a:fld id="{4449FA06-FD21-4DBB-B6CF-A10E5BB8083C}" type="datetimeFigureOut">
               <a:rPr lang="es-ES" smtClean="0"/>
-              <a:t>16/12/2014</a:t>
+              <a:t>17/12/2014</a:t>
             </a:fld>
             <a:endParaRPr lang="es-ES"/>
           </a:p>
@@ -10983,7 +10983,7 @@
           <a:p>
             <a:fld id="{4449FA06-FD21-4DBB-B6CF-A10E5BB8083C}" type="datetimeFigureOut">
               <a:rPr lang="es-ES" smtClean="0"/>
-              <a:t>16/12/2014</a:t>
+              <a:t>17/12/2014</a:t>
             </a:fld>
             <a:endParaRPr lang="es-ES"/>
           </a:p>
@@ -11274,7 +11274,7 @@
           <a:p>
             <a:fld id="{4449FA06-FD21-4DBB-B6CF-A10E5BB8083C}" type="datetimeFigureOut">
               <a:rPr lang="es-ES" smtClean="0"/>
-              <a:t>16/12/2014</a:t>
+              <a:t>17/12/2014</a:t>
             </a:fld>
             <a:endParaRPr lang="es-ES"/>
           </a:p>
@@ -11804,7 +11804,7 @@
           <a:p>
             <a:fld id="{4449FA06-FD21-4DBB-B6CF-A10E5BB8083C}" type="datetimeFigureOut">
               <a:rPr lang="es-ES" smtClean="0"/>
-              <a:t>16/12/2014</a:t>
+              <a:t>17/12/2014</a:t>
             </a:fld>
             <a:endParaRPr lang="es-ES"/>
           </a:p>
@@ -13430,15 +13430,28 @@
             <a:pPr lvl="1"/>
             <a:r>
               <a:rPr lang="en-GB" dirty="0" smtClean="0"/>
-              <a:t>GPU: NVIDIA GTX 650 2GB</a:t>
+              <a:t>GPU: NVIDIA GTX </a:t>
+            </a:r>
+            <a:r>
+              <a:rPr lang="en-GB" dirty="0" smtClean="0"/>
+              <a:t>650 TI </a:t>
+            </a:r>
+            <a:r>
+              <a:rPr lang="en-GB" dirty="0" smtClean="0"/>
+              <a:t>2GB</a:t>
             </a:r>
           </a:p>
           <a:p>
             <a:pPr lvl="1"/>
             <a:r>
               <a:rPr lang="en-GB" dirty="0" smtClean="0"/>
-              <a:t>CPU: Intel i7 3.50GHz</a:t>
+              <a:t>CPU: Intel i7 </a:t>
             </a:r>
+            <a:r>
+              <a:rPr lang="en-GB" dirty="0" smtClean="0"/>
+              <a:t>3.60GHz</a:t>
+            </a:r>
+            <a:endParaRPr lang="en-GB" dirty="0" smtClean="0"/>
           </a:p>
           <a:p>
             <a:pPr lvl="1"/>

--- a/BSaOR.pptx
+++ b/BSaOR.pptx
@@ -2544,6 +2544,535 @@
       <dsp:cNvGrpSpPr/>
     </dsp:nvGrpSpPr>
     <dsp:grpSpPr/>
+    <dsp:sp modelId="{52D3206F-58E5-4680-BB73-A0A063ECB94C}">
+      <dsp:nvSpPr>
+        <dsp:cNvPr id="0" name=""/>
+        <dsp:cNvSpPr/>
+      </dsp:nvSpPr>
+      <dsp:spPr>
+        <a:xfrm>
+          <a:off x="0" y="0"/>
+          <a:ext cx="3262929" cy="3124200"/>
+        </a:xfrm>
+        <a:prstGeom prst="roundRect">
+          <a:avLst>
+            <a:gd name="adj" fmla="val 5000"/>
+          </a:avLst>
+        </a:prstGeom>
+        <a:solidFill>
+          <a:schemeClr val="accent1">
+            <a:hueOff val="0"/>
+            <a:satOff val="0"/>
+            <a:lumOff val="0"/>
+            <a:alphaOff val="0"/>
+          </a:schemeClr>
+        </a:solidFill>
+        <a:ln>
+          <a:noFill/>
+        </a:ln>
+        <a:effectLst/>
+        <a:sp3d extrusionH="381000" contourW="38100" prstMaterial="matte">
+          <a:contourClr>
+            <a:schemeClr val="lt1"/>
+          </a:contourClr>
+        </a:sp3d>
+      </dsp:spPr>
+      <dsp:style>
+        <a:lnRef idx="0">
+          <a:scrgbClr r="0" g="0" b="0"/>
+        </a:lnRef>
+        <a:fillRef idx="1">
+          <a:scrgbClr r="0" g="0" b="0"/>
+        </a:fillRef>
+        <a:effectRef idx="0">
+          <a:scrgbClr r="0" g="0" b="0"/>
+        </a:effectRef>
+        <a:fontRef idx="minor">
+          <a:schemeClr val="lt1"/>
+        </a:fontRef>
+      </dsp:style>
+      <dsp:txBody>
+        <a:bodyPr spcFirstLastPara="0" vert="horz" wrap="square" lIns="0" tIns="89154" rIns="115570" bIns="0" numCol="1" spcCol="1270" anchor="t" anchorCtr="0">
+          <a:noAutofit/>
+        </a:bodyPr>
+        <a:lstStyle/>
+        <a:p>
+          <a:pPr lvl="0" algn="ctr" defTabSz="1155700">
+            <a:lnSpc>
+              <a:spcPct val="90000"/>
+            </a:lnSpc>
+            <a:spcBef>
+              <a:spcPct val="0"/>
+            </a:spcBef>
+            <a:spcAft>
+              <a:spcPct val="35000"/>
+            </a:spcAft>
+          </a:pPr>
+          <a:r>
+            <a:rPr lang="en-GB" sz="2600" kern="1200" noProof="0" dirty="0" smtClean="0"/>
+            <a:t>Running Average</a:t>
+          </a:r>
+          <a:endParaRPr lang="en-GB" sz="2600" kern="1200" noProof="0" dirty="0"/>
+        </a:p>
+      </dsp:txBody>
+      <dsp:txXfrm rot="16200000">
+        <a:off x="-954629" y="954629"/>
+        <a:ext cx="2561844" cy="652585"/>
+      </dsp:txXfrm>
+    </dsp:sp>
+    <dsp:sp modelId="{69085F57-FA3C-45A2-A308-18FE791A6166}">
+      <dsp:nvSpPr>
+        <dsp:cNvPr id="0" name=""/>
+        <dsp:cNvSpPr/>
+      </dsp:nvSpPr>
+      <dsp:spPr>
+        <a:xfrm>
+          <a:off x="652585" y="0"/>
+          <a:ext cx="2430882" cy="3124200"/>
+        </a:xfrm>
+        <a:prstGeom prst="rect">
+          <a:avLst/>
+        </a:prstGeom>
+        <a:noFill/>
+        <a:ln>
+          <a:noFill/>
+        </a:ln>
+        <a:effectLst/>
+        <a:sp3d/>
+      </dsp:spPr>
+      <dsp:style>
+        <a:lnRef idx="0">
+          <a:scrgbClr r="0" g="0" b="0"/>
+        </a:lnRef>
+        <a:fillRef idx="1">
+          <a:scrgbClr r="0" g="0" b="0"/>
+        </a:fillRef>
+        <a:effectRef idx="0">
+          <a:scrgbClr r="0" g="0" b="0"/>
+        </a:effectRef>
+        <a:fontRef idx="minor">
+          <a:schemeClr val="lt1"/>
+        </a:fontRef>
+      </dsp:style>
+      <dsp:txBody>
+        <a:bodyPr spcFirstLastPara="0" vert="horz" wrap="square" lIns="0" tIns="109728" rIns="0" bIns="0" numCol="1" spcCol="1270" anchor="t" anchorCtr="0">
+          <a:noAutofit/>
+        </a:bodyPr>
+        <a:lstStyle/>
+        <a:p>
+          <a:pPr lvl="0" algn="l" defTabSz="1422400">
+            <a:lnSpc>
+              <a:spcPct val="90000"/>
+            </a:lnSpc>
+            <a:spcBef>
+              <a:spcPct val="0"/>
+            </a:spcBef>
+            <a:spcAft>
+              <a:spcPct val="35000"/>
+            </a:spcAft>
+          </a:pPr>
+          <a:r>
+            <a:rPr lang="en-GB" sz="3200" kern="1200" noProof="0" dirty="0" smtClean="0"/>
+            <a:t>Background Subtraction</a:t>
+          </a:r>
+          <a:endParaRPr lang="en-GB" sz="3200" kern="1200" noProof="0" dirty="0"/>
+        </a:p>
+      </dsp:txBody>
+      <dsp:txXfrm>
+        <a:off x="652585" y="0"/>
+        <a:ext cx="2430882" cy="3124200"/>
+      </dsp:txXfrm>
+    </dsp:sp>
+    <dsp:sp modelId="{A4F0A3E9-2F26-4C12-97DE-68F6037D1B58}">
+      <dsp:nvSpPr>
+        <dsp:cNvPr id="0" name=""/>
+        <dsp:cNvSpPr/>
+      </dsp:nvSpPr>
+      <dsp:spPr>
+        <a:xfrm>
+          <a:off x="3377890" y="0"/>
+          <a:ext cx="3262929" cy="3124200"/>
+        </a:xfrm>
+        <a:prstGeom prst="roundRect">
+          <a:avLst>
+            <a:gd name="adj" fmla="val 5000"/>
+          </a:avLst>
+        </a:prstGeom>
+        <a:solidFill>
+          <a:schemeClr val="accent1">
+            <a:hueOff val="0"/>
+            <a:satOff val="0"/>
+            <a:lumOff val="0"/>
+            <a:alphaOff val="0"/>
+          </a:schemeClr>
+        </a:solidFill>
+        <a:ln>
+          <a:noFill/>
+        </a:ln>
+        <a:effectLst/>
+        <a:sp3d extrusionH="381000" contourW="38100" prstMaterial="matte">
+          <a:contourClr>
+            <a:schemeClr val="lt1"/>
+          </a:contourClr>
+        </a:sp3d>
+      </dsp:spPr>
+      <dsp:style>
+        <a:lnRef idx="0">
+          <a:scrgbClr r="0" g="0" b="0"/>
+        </a:lnRef>
+        <a:fillRef idx="1">
+          <a:scrgbClr r="0" g="0" b="0"/>
+        </a:fillRef>
+        <a:effectRef idx="0">
+          <a:scrgbClr r="0" g="0" b="0"/>
+        </a:effectRef>
+        <a:fontRef idx="minor">
+          <a:schemeClr val="lt1"/>
+        </a:fontRef>
+      </dsp:style>
+      <dsp:txBody>
+        <a:bodyPr spcFirstLastPara="0" vert="horz" wrap="square" lIns="0" tIns="89154" rIns="115570" bIns="0" numCol="1" spcCol="1270" anchor="t" anchorCtr="0">
+          <a:noAutofit/>
+        </a:bodyPr>
+        <a:lstStyle/>
+        <a:p>
+          <a:pPr lvl="0" algn="r" defTabSz="1155700">
+            <a:lnSpc>
+              <a:spcPct val="90000"/>
+            </a:lnSpc>
+            <a:spcBef>
+              <a:spcPct val="0"/>
+            </a:spcBef>
+            <a:spcAft>
+              <a:spcPct val="35000"/>
+            </a:spcAft>
+          </a:pPr>
+          <a:r>
+            <a:rPr lang="es-ES" sz="2600" kern="1200" dirty="0" smtClean="0"/>
+            <a:t> </a:t>
+          </a:r>
+          <a:r>
+            <a:rPr lang="en-GB" sz="2600" kern="1200" noProof="0" dirty="0" smtClean="0"/>
+            <a:t>Contours</a:t>
+          </a:r>
+          <a:endParaRPr lang="en-GB" sz="2600" kern="1200" noProof="0" dirty="0"/>
+        </a:p>
+      </dsp:txBody>
+      <dsp:txXfrm rot="16200000">
+        <a:off x="2423261" y="954629"/>
+        <a:ext cx="2561844" cy="652585"/>
+      </dsp:txXfrm>
+    </dsp:sp>
+    <dsp:sp modelId="{847E4420-6B04-4CCB-92D8-C1E5E7DFF74D}">
+      <dsp:nvSpPr>
+        <dsp:cNvPr id="0" name=""/>
+        <dsp:cNvSpPr/>
+      </dsp:nvSpPr>
+      <dsp:spPr>
+        <a:xfrm rot="5400000">
+          <a:off x="3164528" y="2434845"/>
+          <a:ext cx="459353" cy="489439"/>
+        </a:xfrm>
+        <a:prstGeom prst="flowChartExtract">
+          <a:avLst/>
+        </a:prstGeom>
+        <a:solidFill>
+          <a:schemeClr val="lt1">
+            <a:hueOff val="0"/>
+            <a:satOff val="0"/>
+            <a:lumOff val="0"/>
+            <a:alphaOff val="0"/>
+          </a:schemeClr>
+        </a:solidFill>
+        <a:ln w="9525" cap="rnd" cmpd="sng" algn="ctr">
+          <a:solidFill>
+            <a:schemeClr val="accent1">
+              <a:hueOff val="0"/>
+              <a:satOff val="0"/>
+              <a:lumOff val="0"/>
+              <a:alphaOff val="0"/>
+            </a:schemeClr>
+          </a:solidFill>
+          <a:prstDash val="solid"/>
+        </a:ln>
+        <a:effectLst>
+          <a:reflection blurRad="12700" stA="26000" endPos="32000" dist="12700" dir="5400000" sy="-100000" rotWithShape="0"/>
+        </a:effectLst>
+        <a:sp3d z="57150" extrusionH="12700" prstMaterial="flat">
+          <a:bevelT w="50800" h="50800"/>
+        </a:sp3d>
+      </dsp:spPr>
+      <dsp:style>
+        <a:lnRef idx="1">
+          <a:scrgbClr r="0" g="0" b="0"/>
+        </a:lnRef>
+        <a:fillRef idx="1">
+          <a:scrgbClr r="0" g="0" b="0"/>
+        </a:fillRef>
+        <a:effectRef idx="2">
+          <a:scrgbClr r="0" g="0" b="0"/>
+        </a:effectRef>
+        <a:fontRef idx="minor"/>
+      </dsp:style>
+    </dsp:sp>
+    <dsp:sp modelId="{5250D16D-D171-4A7D-BA2A-EEB88F2A6384}">
+      <dsp:nvSpPr>
+        <dsp:cNvPr id="0" name=""/>
+        <dsp:cNvSpPr/>
+      </dsp:nvSpPr>
+      <dsp:spPr>
+        <a:xfrm>
+          <a:off x="4030476" y="0"/>
+          <a:ext cx="2430882" cy="3124200"/>
+        </a:xfrm>
+        <a:prstGeom prst="rect">
+          <a:avLst/>
+        </a:prstGeom>
+        <a:noFill/>
+        <a:ln>
+          <a:noFill/>
+        </a:ln>
+        <a:effectLst/>
+        <a:sp3d/>
+      </dsp:spPr>
+      <dsp:style>
+        <a:lnRef idx="0">
+          <a:scrgbClr r="0" g="0" b="0"/>
+        </a:lnRef>
+        <a:fillRef idx="1">
+          <a:scrgbClr r="0" g="0" b="0"/>
+        </a:fillRef>
+        <a:effectRef idx="0">
+          <a:scrgbClr r="0" g="0" b="0"/>
+        </a:effectRef>
+        <a:fontRef idx="minor">
+          <a:schemeClr val="lt1"/>
+        </a:fontRef>
+      </dsp:style>
+      <dsp:txBody>
+        <a:bodyPr spcFirstLastPara="0" vert="horz" wrap="square" lIns="0" tIns="109728" rIns="0" bIns="0" numCol="1" spcCol="1270" anchor="t" anchorCtr="0">
+          <a:noAutofit/>
+        </a:bodyPr>
+        <a:lstStyle/>
+        <a:p>
+          <a:pPr lvl="0" algn="l" defTabSz="1422400">
+            <a:lnSpc>
+              <a:spcPct val="90000"/>
+            </a:lnSpc>
+            <a:spcBef>
+              <a:spcPct val="0"/>
+            </a:spcBef>
+            <a:spcAft>
+              <a:spcPct val="35000"/>
+            </a:spcAft>
+          </a:pPr>
+          <a:r>
+            <a:rPr lang="en-GB" sz="3200" kern="1200" noProof="0" dirty="0" smtClean="0"/>
+            <a:t>Object Segmentation</a:t>
+          </a:r>
+          <a:endParaRPr lang="en-GB" sz="3200" kern="1200" noProof="0" dirty="0"/>
+        </a:p>
+      </dsp:txBody>
+      <dsp:txXfrm>
+        <a:off x="4030476" y="0"/>
+        <a:ext cx="2430882" cy="3124200"/>
+      </dsp:txXfrm>
+    </dsp:sp>
+    <dsp:sp modelId="{0628EB3F-EEF1-44BE-83ED-61D26406A3C7}">
+      <dsp:nvSpPr>
+        <dsp:cNvPr id="0" name=""/>
+        <dsp:cNvSpPr/>
+      </dsp:nvSpPr>
+      <dsp:spPr>
+        <a:xfrm>
+          <a:off x="6755773" y="0"/>
+          <a:ext cx="3262929" cy="3124200"/>
+        </a:xfrm>
+        <a:prstGeom prst="roundRect">
+          <a:avLst>
+            <a:gd name="adj" fmla="val 5000"/>
+          </a:avLst>
+        </a:prstGeom>
+        <a:solidFill>
+          <a:schemeClr val="accent1">
+            <a:hueOff val="0"/>
+            <a:satOff val="0"/>
+            <a:lumOff val="0"/>
+            <a:alphaOff val="0"/>
+          </a:schemeClr>
+        </a:solidFill>
+        <a:ln>
+          <a:noFill/>
+        </a:ln>
+        <a:effectLst/>
+        <a:sp3d extrusionH="381000" contourW="38100" prstMaterial="matte">
+          <a:contourClr>
+            <a:schemeClr val="lt1"/>
+          </a:contourClr>
+        </a:sp3d>
+      </dsp:spPr>
+      <dsp:style>
+        <a:lnRef idx="0">
+          <a:scrgbClr r="0" g="0" b="0"/>
+        </a:lnRef>
+        <a:fillRef idx="1">
+          <a:scrgbClr r="0" g="0" b="0"/>
+        </a:fillRef>
+        <a:effectRef idx="0">
+          <a:scrgbClr r="0" g="0" b="0"/>
+        </a:effectRef>
+        <a:fontRef idx="minor">
+          <a:schemeClr val="lt1"/>
+        </a:fontRef>
+      </dsp:style>
+      <dsp:txBody>
+        <a:bodyPr spcFirstLastPara="0" vert="horz" wrap="square" lIns="0" tIns="89154" rIns="115570" bIns="0" numCol="1" spcCol="1270" anchor="t" anchorCtr="0">
+          <a:noAutofit/>
+        </a:bodyPr>
+        <a:lstStyle/>
+        <a:p>
+          <a:pPr lvl="0" algn="r" defTabSz="1155700">
+            <a:lnSpc>
+              <a:spcPct val="90000"/>
+            </a:lnSpc>
+            <a:spcBef>
+              <a:spcPct val="0"/>
+            </a:spcBef>
+            <a:spcAft>
+              <a:spcPct val="35000"/>
+            </a:spcAft>
+          </a:pPr>
+          <a:r>
+            <a:rPr lang="es-ES" sz="2600" kern="1200" dirty="0" err="1" smtClean="0"/>
+            <a:t>Conv</a:t>
+          </a:r>
+          <a:r>
+            <a:rPr lang="es-ES" sz="2600" kern="1200" dirty="0" smtClean="0"/>
+            <a:t>. Neural Net.</a:t>
+          </a:r>
+          <a:endParaRPr lang="es-ES" sz="2600" kern="1200" dirty="0"/>
+        </a:p>
+      </dsp:txBody>
+      <dsp:txXfrm rot="16200000">
+        <a:off x="5801144" y="954629"/>
+        <a:ext cx="2561844" cy="652585"/>
+      </dsp:txXfrm>
+    </dsp:sp>
+    <dsp:sp modelId="{F89F221C-F495-439C-830F-78E40CE497DC}">
+      <dsp:nvSpPr>
+        <dsp:cNvPr id="0" name=""/>
+        <dsp:cNvSpPr/>
+      </dsp:nvSpPr>
+      <dsp:spPr>
+        <a:xfrm rot="5400000">
+          <a:off x="6541660" y="2434845"/>
+          <a:ext cx="459353" cy="489439"/>
+        </a:xfrm>
+        <a:prstGeom prst="flowChartExtract">
+          <a:avLst/>
+        </a:prstGeom>
+        <a:solidFill>
+          <a:schemeClr val="lt1">
+            <a:hueOff val="0"/>
+            <a:satOff val="0"/>
+            <a:lumOff val="0"/>
+            <a:alphaOff val="0"/>
+          </a:schemeClr>
+        </a:solidFill>
+        <a:ln w="9525" cap="rnd" cmpd="sng" algn="ctr">
+          <a:solidFill>
+            <a:schemeClr val="accent1">
+              <a:hueOff val="0"/>
+              <a:satOff val="0"/>
+              <a:lumOff val="0"/>
+              <a:alphaOff val="0"/>
+            </a:schemeClr>
+          </a:solidFill>
+          <a:prstDash val="solid"/>
+        </a:ln>
+        <a:effectLst>
+          <a:reflection blurRad="12700" stA="26000" endPos="32000" dist="12700" dir="5400000" sy="-100000" rotWithShape="0"/>
+        </a:effectLst>
+        <a:sp3d z="57150" extrusionH="12700" prstMaterial="flat">
+          <a:bevelT w="50800" h="50800"/>
+        </a:sp3d>
+      </dsp:spPr>
+      <dsp:style>
+        <a:lnRef idx="1">
+          <a:scrgbClr r="0" g="0" b="0"/>
+        </a:lnRef>
+        <a:fillRef idx="1">
+          <a:scrgbClr r="0" g="0" b="0"/>
+        </a:fillRef>
+        <a:effectRef idx="2">
+          <a:scrgbClr r="0" g="0" b="0"/>
+        </a:effectRef>
+        <a:fontRef idx="minor"/>
+      </dsp:style>
+    </dsp:sp>
+    <dsp:sp modelId="{5703AEDA-A93E-4881-9EF7-787B0F934774}">
+      <dsp:nvSpPr>
+        <dsp:cNvPr id="0" name=""/>
+        <dsp:cNvSpPr/>
+      </dsp:nvSpPr>
+      <dsp:spPr>
+        <a:xfrm>
+          <a:off x="7408359" y="0"/>
+          <a:ext cx="2430882" cy="3124200"/>
+        </a:xfrm>
+        <a:prstGeom prst="rect">
+          <a:avLst/>
+        </a:prstGeom>
+        <a:noFill/>
+        <a:ln>
+          <a:noFill/>
+        </a:ln>
+        <a:effectLst/>
+        <a:sp3d/>
+      </dsp:spPr>
+      <dsp:style>
+        <a:lnRef idx="0">
+          <a:scrgbClr r="0" g="0" b="0"/>
+        </a:lnRef>
+        <a:fillRef idx="1">
+          <a:scrgbClr r="0" g="0" b="0"/>
+        </a:fillRef>
+        <a:effectRef idx="0">
+          <a:scrgbClr r="0" g="0" b="0"/>
+        </a:effectRef>
+        <a:fontRef idx="minor">
+          <a:schemeClr val="lt1"/>
+        </a:fontRef>
+      </dsp:style>
+      <dsp:txBody>
+        <a:bodyPr spcFirstLastPara="0" vert="horz" wrap="square" lIns="0" tIns="109728" rIns="0" bIns="0" numCol="1" spcCol="1270" anchor="t" anchorCtr="0">
+          <a:noAutofit/>
+        </a:bodyPr>
+        <a:lstStyle/>
+        <a:p>
+          <a:pPr lvl="0" algn="l" defTabSz="1422400">
+            <a:lnSpc>
+              <a:spcPct val="90000"/>
+            </a:lnSpc>
+            <a:spcBef>
+              <a:spcPct val="0"/>
+            </a:spcBef>
+            <a:spcAft>
+              <a:spcPct val="35000"/>
+            </a:spcAft>
+          </a:pPr>
+          <a:r>
+            <a:rPr lang="en-GB" sz="3200" kern="1200" noProof="0" dirty="0" smtClean="0"/>
+            <a:t>Object Recognition</a:t>
+          </a:r>
+          <a:endParaRPr lang="en-GB" sz="3200" kern="1200" noProof="0" dirty="0"/>
+        </a:p>
+      </dsp:txBody>
+      <dsp:txXfrm>
+        <a:off x="7408359" y="0"/>
+        <a:ext cx="2430882" cy="3124200"/>
+      </dsp:txXfrm>
+    </dsp:sp>
   </dsp:spTree>
 </dsp:drawing>
 </file>
@@ -2556,6 +3085,495 @@
       <dsp:cNvGrpSpPr/>
     </dsp:nvGrpSpPr>
     <dsp:grpSpPr/>
+    <dsp:sp modelId="{8185930C-B68A-44A9-AF48-591104627F6E}">
+      <dsp:nvSpPr>
+        <dsp:cNvPr id="0" name=""/>
+        <dsp:cNvSpPr/>
+      </dsp:nvSpPr>
+      <dsp:spPr>
+        <a:xfrm>
+          <a:off x="0" y="541632"/>
+          <a:ext cx="4325257" cy="629922"/>
+        </a:xfrm>
+        <a:prstGeom prst="rightArrow">
+          <a:avLst>
+            <a:gd name="adj1" fmla="val 50000"/>
+            <a:gd name="adj2" fmla="val 50000"/>
+          </a:avLst>
+        </a:prstGeom>
+        <a:solidFill>
+          <a:schemeClr val="accent1">
+            <a:hueOff val="0"/>
+            <a:satOff val="0"/>
+            <a:lumOff val="0"/>
+            <a:alphaOff val="0"/>
+          </a:schemeClr>
+        </a:solidFill>
+        <a:ln w="15875" cap="rnd" cmpd="sng" algn="ctr">
+          <a:solidFill>
+            <a:schemeClr val="lt1">
+              <a:hueOff val="0"/>
+              <a:satOff val="0"/>
+              <a:lumOff val="0"/>
+              <a:alphaOff val="0"/>
+            </a:schemeClr>
+          </a:solidFill>
+          <a:prstDash val="solid"/>
+        </a:ln>
+        <a:effectLst/>
+      </dsp:spPr>
+      <dsp:style>
+        <a:lnRef idx="2">
+          <a:scrgbClr r="0" g="0" b="0"/>
+        </a:lnRef>
+        <a:fillRef idx="1">
+          <a:scrgbClr r="0" g="0" b="0"/>
+        </a:fillRef>
+        <a:effectRef idx="0">
+          <a:scrgbClr r="0" g="0" b="0"/>
+        </a:effectRef>
+        <a:fontRef idx="minor">
+          <a:schemeClr val="lt1"/>
+        </a:fontRef>
+      </dsp:style>
+      <dsp:txBody>
+        <a:bodyPr spcFirstLastPara="0" vert="horz" wrap="square" lIns="41910" tIns="41910" rIns="254000" bIns="100000" numCol="1" spcCol="1270" anchor="ctr" anchorCtr="0">
+          <a:noAutofit/>
+        </a:bodyPr>
+        <a:lstStyle/>
+        <a:p>
+          <a:pPr lvl="0" algn="l" defTabSz="488950">
+            <a:lnSpc>
+              <a:spcPct val="90000"/>
+            </a:lnSpc>
+            <a:spcBef>
+              <a:spcPct val="0"/>
+            </a:spcBef>
+            <a:spcAft>
+              <a:spcPct val="35000"/>
+            </a:spcAft>
+          </a:pPr>
+          <a:r>
+            <a:rPr lang="es-ES" sz="1100" kern="1200" dirty="0" smtClean="0"/>
+            <a:t>Compute </a:t>
+          </a:r>
+          <a:r>
+            <a:rPr lang="es-ES" sz="1100" kern="1200" dirty="0" err="1" smtClean="0"/>
+            <a:t>Difference</a:t>
+          </a:r>
+          <a:endParaRPr lang="es-ES" sz="1100" kern="1200" dirty="0"/>
+        </a:p>
+      </dsp:txBody>
+      <dsp:txXfrm>
+        <a:off x="0" y="699113"/>
+        <a:ext cx="4167777" cy="314961"/>
+      </dsp:txXfrm>
+    </dsp:sp>
+    <dsp:sp modelId="{A3166FD1-E3E1-46A0-8054-8C8615213FC8}">
+      <dsp:nvSpPr>
+        <dsp:cNvPr id="0" name=""/>
+        <dsp:cNvSpPr/>
+      </dsp:nvSpPr>
+      <dsp:spPr>
+        <a:xfrm>
+          <a:off x="0" y="1027393"/>
+          <a:ext cx="1332179" cy="1213462"/>
+        </a:xfrm>
+        <a:prstGeom prst="rect">
+          <a:avLst/>
+        </a:prstGeom>
+        <a:solidFill>
+          <a:schemeClr val="lt1">
+            <a:hueOff val="0"/>
+            <a:satOff val="0"/>
+            <a:lumOff val="0"/>
+            <a:alphaOff val="0"/>
+          </a:schemeClr>
+        </a:solidFill>
+        <a:ln w="15875" cap="rnd" cmpd="sng" algn="ctr">
+          <a:solidFill>
+            <a:schemeClr val="accent1">
+              <a:hueOff val="0"/>
+              <a:satOff val="0"/>
+              <a:lumOff val="0"/>
+              <a:alphaOff val="0"/>
+            </a:schemeClr>
+          </a:solidFill>
+          <a:prstDash val="solid"/>
+        </a:ln>
+        <a:effectLst/>
+      </dsp:spPr>
+      <dsp:style>
+        <a:lnRef idx="2">
+          <a:scrgbClr r="0" g="0" b="0"/>
+        </a:lnRef>
+        <a:fillRef idx="1">
+          <a:scrgbClr r="0" g="0" b="0"/>
+        </a:fillRef>
+        <a:effectRef idx="0">
+          <a:scrgbClr r="0" g="0" b="0"/>
+        </a:effectRef>
+        <a:fontRef idx="minor"/>
+      </dsp:style>
+      <dsp:txBody>
+        <a:bodyPr spcFirstLastPara="0" vert="horz" wrap="square" lIns="91440" tIns="91440" rIns="91440" bIns="91440" numCol="1" spcCol="1270" anchor="t" anchorCtr="0">
+          <a:noAutofit/>
+        </a:bodyPr>
+        <a:lstStyle/>
+        <a:p>
+          <a:pPr lvl="0" algn="l" defTabSz="1066800">
+            <a:lnSpc>
+              <a:spcPct val="90000"/>
+            </a:lnSpc>
+            <a:spcBef>
+              <a:spcPct val="0"/>
+            </a:spcBef>
+            <a:spcAft>
+              <a:spcPct val="35000"/>
+            </a:spcAft>
+          </a:pPr>
+          <a:r>
+            <a:rPr lang="es-ES" sz="2400" kern="1200" dirty="0" err="1" smtClean="0"/>
+            <a:t>Frame</a:t>
+          </a:r>
+          <a:r>
+            <a:rPr lang="es-ES" sz="2400" kern="1200" dirty="0" smtClean="0"/>
+            <a:t> 1</a:t>
+          </a:r>
+          <a:endParaRPr lang="es-ES" sz="2400" kern="1200" dirty="0"/>
+        </a:p>
+      </dsp:txBody>
+      <dsp:txXfrm>
+        <a:off x="0" y="1027393"/>
+        <a:ext cx="1332179" cy="1213462"/>
+      </dsp:txXfrm>
+    </dsp:sp>
+    <dsp:sp modelId="{04CC0CE8-796A-400A-AF96-B15EC4ED70F7}">
+      <dsp:nvSpPr>
+        <dsp:cNvPr id="0" name=""/>
+        <dsp:cNvSpPr/>
+      </dsp:nvSpPr>
+      <dsp:spPr>
+        <a:xfrm>
+          <a:off x="1332179" y="751606"/>
+          <a:ext cx="2993077" cy="629922"/>
+        </a:xfrm>
+        <a:prstGeom prst="rightArrow">
+          <a:avLst>
+            <a:gd name="adj1" fmla="val 50000"/>
+            <a:gd name="adj2" fmla="val 50000"/>
+          </a:avLst>
+        </a:prstGeom>
+        <a:solidFill>
+          <a:schemeClr val="accent1">
+            <a:hueOff val="0"/>
+            <a:satOff val="0"/>
+            <a:lumOff val="0"/>
+            <a:alphaOff val="0"/>
+          </a:schemeClr>
+        </a:solidFill>
+        <a:ln w="15875" cap="rnd" cmpd="sng" algn="ctr">
+          <a:solidFill>
+            <a:schemeClr val="lt1">
+              <a:hueOff val="0"/>
+              <a:satOff val="0"/>
+              <a:lumOff val="0"/>
+              <a:alphaOff val="0"/>
+            </a:schemeClr>
+          </a:solidFill>
+          <a:prstDash val="solid"/>
+        </a:ln>
+        <a:effectLst/>
+      </dsp:spPr>
+      <dsp:style>
+        <a:lnRef idx="2">
+          <a:scrgbClr r="0" g="0" b="0"/>
+        </a:lnRef>
+        <a:fillRef idx="1">
+          <a:scrgbClr r="0" g="0" b="0"/>
+        </a:fillRef>
+        <a:effectRef idx="0">
+          <a:scrgbClr r="0" g="0" b="0"/>
+        </a:effectRef>
+        <a:fontRef idx="minor">
+          <a:schemeClr val="lt1"/>
+        </a:fontRef>
+      </dsp:style>
+      <dsp:txBody>
+        <a:bodyPr spcFirstLastPara="0" vert="horz" wrap="square" lIns="41910" tIns="41910" rIns="254000" bIns="100000" numCol="1" spcCol="1270" anchor="ctr" anchorCtr="0">
+          <a:noAutofit/>
+        </a:bodyPr>
+        <a:lstStyle/>
+        <a:p>
+          <a:pPr lvl="0" algn="l" defTabSz="488950">
+            <a:lnSpc>
+              <a:spcPct val="90000"/>
+            </a:lnSpc>
+            <a:spcBef>
+              <a:spcPct val="0"/>
+            </a:spcBef>
+            <a:spcAft>
+              <a:spcPct val="35000"/>
+            </a:spcAft>
+          </a:pPr>
+          <a:r>
+            <a:rPr lang="es-ES" sz="1100" kern="1200" dirty="0" smtClean="0"/>
+            <a:t>Compute </a:t>
+          </a:r>
+          <a:r>
+            <a:rPr lang="es-ES" sz="1100" kern="1200" dirty="0" err="1" smtClean="0"/>
+            <a:t>Difference</a:t>
+          </a:r>
+          <a:endParaRPr lang="es-ES" sz="1100" kern="1200" dirty="0"/>
+        </a:p>
+      </dsp:txBody>
+      <dsp:txXfrm>
+        <a:off x="1332179" y="909087"/>
+        <a:ext cx="2835597" cy="314961"/>
+      </dsp:txXfrm>
+    </dsp:sp>
+    <dsp:sp modelId="{A89AFF3D-79BD-43DE-887E-2A4E81F7B2E2}">
+      <dsp:nvSpPr>
+        <dsp:cNvPr id="0" name=""/>
+        <dsp:cNvSpPr/>
+      </dsp:nvSpPr>
+      <dsp:spPr>
+        <a:xfrm>
+          <a:off x="1332179" y="1237367"/>
+          <a:ext cx="1332179" cy="1213462"/>
+        </a:xfrm>
+        <a:prstGeom prst="rect">
+          <a:avLst/>
+        </a:prstGeom>
+        <a:solidFill>
+          <a:schemeClr val="lt1">
+            <a:hueOff val="0"/>
+            <a:satOff val="0"/>
+            <a:lumOff val="0"/>
+            <a:alphaOff val="0"/>
+          </a:schemeClr>
+        </a:solidFill>
+        <a:ln w="15875" cap="rnd" cmpd="sng" algn="ctr">
+          <a:solidFill>
+            <a:schemeClr val="accent1">
+              <a:hueOff val="0"/>
+              <a:satOff val="0"/>
+              <a:lumOff val="0"/>
+              <a:alphaOff val="0"/>
+            </a:schemeClr>
+          </a:solidFill>
+          <a:prstDash val="solid"/>
+        </a:ln>
+        <a:effectLst/>
+      </dsp:spPr>
+      <dsp:style>
+        <a:lnRef idx="2">
+          <a:scrgbClr r="0" g="0" b="0"/>
+        </a:lnRef>
+        <a:fillRef idx="1">
+          <a:scrgbClr r="0" g="0" b="0"/>
+        </a:fillRef>
+        <a:effectRef idx="0">
+          <a:scrgbClr r="0" g="0" b="0"/>
+        </a:effectRef>
+        <a:fontRef idx="minor"/>
+      </dsp:style>
+      <dsp:txBody>
+        <a:bodyPr spcFirstLastPara="0" vert="horz" wrap="square" lIns="91440" tIns="91440" rIns="91440" bIns="91440" numCol="1" spcCol="1270" anchor="t" anchorCtr="0">
+          <a:noAutofit/>
+        </a:bodyPr>
+        <a:lstStyle/>
+        <a:p>
+          <a:pPr lvl="0" algn="l" defTabSz="1066800">
+            <a:lnSpc>
+              <a:spcPct val="90000"/>
+            </a:lnSpc>
+            <a:spcBef>
+              <a:spcPct val="0"/>
+            </a:spcBef>
+            <a:spcAft>
+              <a:spcPct val="35000"/>
+            </a:spcAft>
+          </a:pPr>
+          <a:r>
+            <a:rPr lang="es-ES" sz="2400" kern="1200" dirty="0" err="1" smtClean="0"/>
+            <a:t>Frame</a:t>
+          </a:r>
+          <a:r>
+            <a:rPr lang="es-ES" sz="2400" kern="1200" dirty="0" smtClean="0"/>
+            <a:t> 2</a:t>
+          </a:r>
+          <a:endParaRPr lang="es-ES" sz="2400" kern="1200" dirty="0"/>
+        </a:p>
+      </dsp:txBody>
+      <dsp:txXfrm>
+        <a:off x="1332179" y="1237367"/>
+        <a:ext cx="1332179" cy="1213462"/>
+      </dsp:txXfrm>
+    </dsp:sp>
+    <dsp:sp modelId="{64767A4A-738D-4555-8175-45549CA72A8A}">
+      <dsp:nvSpPr>
+        <dsp:cNvPr id="0" name=""/>
+        <dsp:cNvSpPr/>
+      </dsp:nvSpPr>
+      <dsp:spPr>
+        <a:xfrm>
+          <a:off x="2664358" y="961580"/>
+          <a:ext cx="1660898" cy="629922"/>
+        </a:xfrm>
+        <a:prstGeom prst="rightArrow">
+          <a:avLst>
+            <a:gd name="adj1" fmla="val 50000"/>
+            <a:gd name="adj2" fmla="val 50000"/>
+          </a:avLst>
+        </a:prstGeom>
+        <a:solidFill>
+          <a:schemeClr val="accent1">
+            <a:hueOff val="0"/>
+            <a:satOff val="0"/>
+            <a:lumOff val="0"/>
+            <a:alphaOff val="0"/>
+          </a:schemeClr>
+        </a:solidFill>
+        <a:ln w="15875" cap="rnd" cmpd="sng" algn="ctr">
+          <a:solidFill>
+            <a:schemeClr val="lt1">
+              <a:hueOff val="0"/>
+              <a:satOff val="0"/>
+              <a:lumOff val="0"/>
+              <a:alphaOff val="0"/>
+            </a:schemeClr>
+          </a:solidFill>
+          <a:prstDash val="solid"/>
+        </a:ln>
+        <a:effectLst/>
+      </dsp:spPr>
+      <dsp:style>
+        <a:lnRef idx="2">
+          <a:scrgbClr r="0" g="0" b="0"/>
+        </a:lnRef>
+        <a:fillRef idx="1">
+          <a:scrgbClr r="0" g="0" b="0"/>
+        </a:fillRef>
+        <a:effectRef idx="0">
+          <a:scrgbClr r="0" g="0" b="0"/>
+        </a:effectRef>
+        <a:fontRef idx="minor">
+          <a:schemeClr val="lt1"/>
+        </a:fontRef>
+      </dsp:style>
+      <dsp:txBody>
+        <a:bodyPr spcFirstLastPara="0" vert="horz" wrap="square" lIns="41910" tIns="41910" rIns="254000" bIns="100000" numCol="1" spcCol="1270" anchor="ctr" anchorCtr="0">
+          <a:noAutofit/>
+        </a:bodyPr>
+        <a:lstStyle/>
+        <a:p>
+          <a:pPr lvl="0" algn="l" defTabSz="488950">
+            <a:lnSpc>
+              <a:spcPct val="90000"/>
+            </a:lnSpc>
+            <a:spcBef>
+              <a:spcPct val="0"/>
+            </a:spcBef>
+            <a:spcAft>
+              <a:spcPct val="35000"/>
+            </a:spcAft>
+          </a:pPr>
+          <a:r>
+            <a:rPr lang="es-ES" sz="1100" kern="1200" dirty="0" smtClean="0"/>
+            <a:t>Compute </a:t>
+          </a:r>
+          <a:r>
+            <a:rPr lang="es-ES" sz="1100" kern="1200" dirty="0" err="1" smtClean="0"/>
+            <a:t>Difference</a:t>
+          </a:r>
+          <a:endParaRPr lang="es-ES" sz="1100" kern="1200" dirty="0"/>
+        </a:p>
+      </dsp:txBody>
+      <dsp:txXfrm>
+        <a:off x="2664358" y="1119061"/>
+        <a:ext cx="1503418" cy="314961"/>
+      </dsp:txXfrm>
+    </dsp:sp>
+    <dsp:sp modelId="{55580990-C586-4337-B3E2-F658C853F9DF}">
+      <dsp:nvSpPr>
+        <dsp:cNvPr id="0" name=""/>
+        <dsp:cNvSpPr/>
+      </dsp:nvSpPr>
+      <dsp:spPr>
+        <a:xfrm>
+          <a:off x="2664358" y="1447341"/>
+          <a:ext cx="1332179" cy="1195703"/>
+        </a:xfrm>
+        <a:prstGeom prst="rect">
+          <a:avLst/>
+        </a:prstGeom>
+        <a:solidFill>
+          <a:schemeClr val="lt1">
+            <a:hueOff val="0"/>
+            <a:satOff val="0"/>
+            <a:lumOff val="0"/>
+            <a:alphaOff val="0"/>
+          </a:schemeClr>
+        </a:solidFill>
+        <a:ln w="15875" cap="rnd" cmpd="sng" algn="ctr">
+          <a:solidFill>
+            <a:schemeClr val="accent1">
+              <a:hueOff val="0"/>
+              <a:satOff val="0"/>
+              <a:lumOff val="0"/>
+              <a:alphaOff val="0"/>
+            </a:schemeClr>
+          </a:solidFill>
+          <a:prstDash val="solid"/>
+        </a:ln>
+        <a:effectLst/>
+      </dsp:spPr>
+      <dsp:style>
+        <a:lnRef idx="2">
+          <a:scrgbClr r="0" g="0" b="0"/>
+        </a:lnRef>
+        <a:fillRef idx="1">
+          <a:scrgbClr r="0" g="0" b="0"/>
+        </a:fillRef>
+        <a:effectRef idx="0">
+          <a:scrgbClr r="0" g="0" b="0"/>
+        </a:effectRef>
+        <a:fontRef idx="minor"/>
+      </dsp:style>
+      <dsp:txBody>
+        <a:bodyPr spcFirstLastPara="0" vert="horz" wrap="square" lIns="91440" tIns="91440" rIns="91440" bIns="91440" numCol="1" spcCol="1270" anchor="t" anchorCtr="0">
+          <a:noAutofit/>
+        </a:bodyPr>
+        <a:lstStyle/>
+        <a:p>
+          <a:pPr lvl="0" algn="l" defTabSz="1066800">
+            <a:lnSpc>
+              <a:spcPct val="90000"/>
+            </a:lnSpc>
+            <a:spcBef>
+              <a:spcPct val="0"/>
+            </a:spcBef>
+            <a:spcAft>
+              <a:spcPct val="35000"/>
+            </a:spcAft>
+          </a:pPr>
+          <a:r>
+            <a:rPr lang="es-ES" sz="2400" kern="1200" dirty="0" err="1" smtClean="0"/>
+            <a:t>Frame</a:t>
+          </a:r>
+          <a:r>
+            <a:rPr lang="es-ES" sz="2400" kern="1200" dirty="0" smtClean="0"/>
+            <a:t> k</a:t>
+          </a:r>
+          <a:endParaRPr lang="es-ES" sz="2400" kern="1200" dirty="0"/>
+        </a:p>
+      </dsp:txBody>
+      <dsp:txXfrm>
+        <a:off x="2664358" y="1447341"/>
+        <a:ext cx="1332179" cy="1195703"/>
+      </dsp:txXfrm>
+    </dsp:sp>
   </dsp:spTree>
 </dsp:drawing>
 </file>
@@ -13464,22 +14482,28 @@
             <a:pPr lvl="2"/>
             <a:r>
               <a:rPr lang="en-GB" dirty="0" smtClean="0"/>
-              <a:t>15.000 Faces including body</a:t>
+              <a:t>13.233 </a:t>
+            </a:r>
+            <a:r>
+              <a:rPr lang="en-GB" dirty="0" smtClean="0"/>
+              <a:t>Faces including body</a:t>
             </a:r>
           </a:p>
           <a:p>
             <a:pPr lvl="2"/>
             <a:r>
               <a:rPr lang="en-GB" dirty="0" smtClean="0"/>
-              <a:t>18.000 Faces (bare face)</a:t>
+              <a:t>870 Suitcases</a:t>
             </a:r>
+            <a:endParaRPr lang="en-GB" dirty="0" smtClean="0"/>
           </a:p>
           <a:p>
             <a:pPr lvl="2"/>
             <a:r>
               <a:rPr lang="en-GB" dirty="0" smtClean="0"/>
-              <a:t>800 black</a:t>
+              <a:t>381 Black</a:t>
             </a:r>
+            <a:endParaRPr lang="en-GB" dirty="0" smtClean="0"/>
           </a:p>
           <a:p>
             <a:pPr lvl="1"/>
@@ -13496,7 +14520,7 @@
         <p:spPr>
           <a:xfrm>
             <a:off x="5529943" y="5413829"/>
-            <a:ext cx="1359668" cy="1138773"/>
+            <a:ext cx="1313821" cy="1138773"/>
           </a:xfrm>
           <a:prstGeom prst="rect">
             <a:avLst/>
@@ -13510,37 +14534,55 @@
           <a:lstStyle/>
           <a:p>
             <a:pPr marL="285750" indent="-285750">
+              <a:buClr>
+                <a:schemeClr val="accent1">
+                  <a:lumMod val="75000"/>
+                </a:schemeClr>
+              </a:buClr>
+              <a:buSzPct val="120000"/>
               <a:buFont typeface="Arial" panose="020B0604020202020204" pitchFamily="34" charset="0"/>
               <a:buChar char="•"/>
             </a:pPr>
             <a:r>
               <a:rPr lang="es-ES" sz="1700" dirty="0" smtClean="0"/>
-              <a:t>800 </a:t>
+              <a:t>515 Blue</a:t>
             </a:r>
-            <a:r>
-              <a:rPr lang="es-ES" sz="1700" dirty="0" err="1" smtClean="0"/>
-              <a:t>white</a:t>
-            </a:r>
-            <a:endParaRPr lang="es-ES" sz="1700" dirty="0" smtClean="0"/>
           </a:p>
           <a:p>
             <a:pPr marL="285750" indent="-285750">
+              <a:buClr>
+                <a:schemeClr val="accent1">
+                  <a:lumMod val="75000"/>
+                </a:schemeClr>
+              </a:buClr>
+              <a:buSzPct val="120000"/>
               <a:buFont typeface="Arial" panose="020B0604020202020204" pitchFamily="34" charset="0"/>
               <a:buChar char="•"/>
             </a:pPr>
             <a:r>
               <a:rPr lang="es-ES" sz="1700" dirty="0" smtClean="0"/>
-              <a:t>800 red</a:t>
+              <a:t>432 Gray</a:t>
             </a:r>
+            <a:endParaRPr lang="es-ES" sz="1700" dirty="0" smtClean="0"/>
           </a:p>
           <a:p>
             <a:pPr marL="285750" indent="-285750">
+              <a:buClr>
+                <a:schemeClr val="accent1">
+                  <a:lumMod val="75000"/>
+                </a:schemeClr>
+              </a:buClr>
+              <a:buSzPct val="120000"/>
               <a:buFont typeface="Arial" panose="020B0604020202020204" pitchFamily="34" charset="0"/>
               <a:buChar char="•"/>
             </a:pPr>
             <a:r>
               <a:rPr lang="es-ES" sz="1700" dirty="0" smtClean="0"/>
-              <a:t>800 blue</a:t>
+              <a:t>44 </a:t>
+            </a:r>
+            <a:r>
+              <a:rPr lang="en-GB" sz="1700" dirty="0" smtClean="0"/>
+              <a:t>Yellow</a:t>
             </a:r>
           </a:p>
           <a:p>
@@ -13561,7 +14603,7 @@
         <p:spPr>
           <a:xfrm>
             <a:off x="7217453" y="5413828"/>
-            <a:ext cx="1712328" cy="1138773"/>
+            <a:ext cx="1915396" cy="615553"/>
           </a:xfrm>
           <a:prstGeom prst="rect">
             <a:avLst/>
@@ -13575,81 +14617,43 @@
           <a:lstStyle/>
           <a:p>
             <a:pPr marL="285750" indent="-285750">
+              <a:buClr>
+                <a:schemeClr val="accent1">
+                  <a:lumMod val="75000"/>
+                </a:schemeClr>
+              </a:buClr>
+              <a:buSzPct val="120000"/>
               <a:buFont typeface="Arial" panose="020B0604020202020204" pitchFamily="34" charset="0"/>
               <a:buChar char="•"/>
             </a:pPr>
             <a:r>
               <a:rPr lang="es-ES" sz="1700" dirty="0" smtClean="0"/>
-              <a:t>800 </a:t>
+              <a:t>154 Skin </a:t>
             </a:r>
             <a:r>
               <a:rPr lang="es-ES" sz="1700" dirty="0" err="1" smtClean="0"/>
-              <a:t>black</a:t>
+              <a:t>texture</a:t>
             </a:r>
             <a:endParaRPr lang="es-ES" sz="1700" dirty="0" smtClean="0"/>
           </a:p>
           <a:p>
             <a:pPr marL="285750" indent="-285750">
+              <a:buClr>
+                <a:schemeClr val="accent1">
+                  <a:lumMod val="75000"/>
+                </a:schemeClr>
+              </a:buClr>
+              <a:buSzPct val="120000"/>
               <a:buFont typeface="Arial" panose="020B0604020202020204" pitchFamily="34" charset="0"/>
               <a:buChar char="•"/>
             </a:pPr>
             <a:r>
               <a:rPr lang="es-ES" sz="1700" dirty="0" smtClean="0"/>
-              <a:t>800 gray</a:t>
-            </a:r>
-          </a:p>
-          <a:p>
-            <a:pPr marL="285750" indent="-285750">
-              <a:buFont typeface="Arial" panose="020B0604020202020204" pitchFamily="34" charset="0"/>
-              <a:buChar char="•"/>
-            </a:pPr>
-            <a:r>
-              <a:rPr lang="es-ES" sz="1700" dirty="0" smtClean="0"/>
-              <a:t>800 skin color</a:t>
-            </a:r>
-          </a:p>
-          <a:p>
-            <a:pPr marL="285750" indent="-285750">
-              <a:buFont typeface="Arial" panose="020B0604020202020204" pitchFamily="34" charset="0"/>
-              <a:buChar char="•"/>
-            </a:pPr>
-            <a:endParaRPr lang="es-ES" sz="1700" dirty="0"/>
-          </a:p>
-        </p:txBody>
-      </p:sp>
-      <p:sp>
-        <p:nvSpPr>
-          <p:cNvPr id="6" name="CuadroTexto 5"/>
-          <p:cNvSpPr txBox="1"/>
-          <p:nvPr/>
-        </p:nvSpPr>
-        <p:spPr>
-          <a:xfrm>
-            <a:off x="9257623" y="5413827"/>
-            <a:ext cx="1705403" cy="353943"/>
-          </a:xfrm>
-          <a:prstGeom prst="rect">
-            <a:avLst/>
-          </a:prstGeom>
-          <a:noFill/>
-        </p:spPr>
-        <p:txBody>
-          <a:bodyPr wrap="none" rtlCol="0">
-            <a:spAutoFit/>
-          </a:bodyPr>
-          <a:lstStyle/>
-          <a:p>
-            <a:pPr marL="285750" indent="-285750">
-              <a:buFont typeface="Arial" panose="020B0604020202020204" pitchFamily="34" charset="0"/>
-              <a:buChar char="•"/>
-            </a:pPr>
-            <a:r>
-              <a:rPr lang="es-ES" sz="1700" dirty="0" smtClean="0"/>
-              <a:t>1000 </a:t>
+              <a:t>159 </a:t>
             </a:r>
             <a:r>
               <a:rPr lang="es-ES" sz="1700" dirty="0" err="1" smtClean="0"/>
-              <a:t>Suitcase</a:t>
+              <a:t>Purple</a:t>
             </a:r>
             <a:endParaRPr lang="es-ES" sz="1700" dirty="0"/>
           </a:p>
@@ -13776,7 +14780,15 @@
             <a:pPr lvl="1"/>
             <a:r>
               <a:rPr lang="en-GB" dirty="0" smtClean="0"/>
-              <a:t>Small datasets might proof insufficient and cause the net to misclassify</a:t>
+              <a:t>Small datasets might </a:t>
+            </a:r>
+            <a:r>
+              <a:rPr lang="en-GB" dirty="0" smtClean="0"/>
+              <a:t>prove insufficient </a:t>
+            </a:r>
+            <a:r>
+              <a:rPr lang="en-GB" dirty="0" smtClean="0"/>
+              <a:t>and cause the net to misclassify</a:t>
             </a:r>
           </a:p>
           <a:p>

--- a/BSaOR.pptx
+++ b/BSaOR.pptx
@@ -14441,35 +14441,30 @@
           <a:p>
             <a:r>
               <a:rPr lang="en-GB" dirty="0" smtClean="0"/>
-              <a:t>Training time of 6 hours, with:</a:t>
+              <a:t>Training time of </a:t>
+            </a:r>
+            <a:r>
+              <a:rPr lang="en-GB" dirty="0" smtClean="0"/>
+              <a:t>2 </a:t>
+            </a:r>
+            <a:r>
+              <a:rPr lang="en-GB" dirty="0" smtClean="0"/>
+              <a:t>hours, with:</a:t>
             </a:r>
           </a:p>
           <a:p>
             <a:pPr lvl="1"/>
             <a:r>
               <a:rPr lang="en-GB" dirty="0" smtClean="0"/>
-              <a:t>GPU: NVIDIA GTX </a:t>
-            </a:r>
-            <a:r>
-              <a:rPr lang="en-GB" dirty="0" smtClean="0"/>
-              <a:t>650 TI </a:t>
-            </a:r>
-            <a:r>
-              <a:rPr lang="en-GB" dirty="0" smtClean="0"/>
-              <a:t>2GB</a:t>
+              <a:t>GPU: NVIDIA GTX 650 TI 2GB</a:t>
             </a:r>
           </a:p>
           <a:p>
             <a:pPr lvl="1"/>
             <a:r>
               <a:rPr lang="en-GB" dirty="0" smtClean="0"/>
-              <a:t>CPU: Intel i7 </a:t>
+              <a:t>CPU: Intel i7 3.60GHz</a:t>
             </a:r>
-            <a:r>
-              <a:rPr lang="en-GB" dirty="0" smtClean="0"/>
-              <a:t>3.60GHz</a:t>
-            </a:r>
-            <a:endParaRPr lang="en-GB" dirty="0" smtClean="0"/>
           </a:p>
           <a:p>
             <a:pPr lvl="1"/>
@@ -14486,8 +14481,9 @@
             </a:r>
             <a:r>
               <a:rPr lang="en-GB" dirty="0" smtClean="0"/>
-              <a:t>Faces including body</a:t>
+              <a:t>Faces</a:t>
             </a:r>
+            <a:endParaRPr lang="en-GB" dirty="0" smtClean="0"/>
           </a:p>
           <a:p>
             <a:pPr lvl="2"/>
@@ -14495,7 +14491,6 @@
               <a:rPr lang="en-GB" dirty="0" smtClean="0"/>
               <a:t>870 Suitcases</a:t>
             </a:r>
-            <a:endParaRPr lang="en-GB" dirty="0" smtClean="0"/>
           </a:p>
           <a:p>
             <a:pPr lvl="2"/>
@@ -14503,7 +14498,6 @@
               <a:rPr lang="en-GB" dirty="0" smtClean="0"/>
               <a:t>381 Black</a:t>
             </a:r>
-            <a:endParaRPr lang="en-GB" dirty="0" smtClean="0"/>
           </a:p>
           <a:p>
             <a:pPr lvl="1"/>
@@ -14519,7 +14513,7 @@
         </p:nvSpPr>
         <p:spPr>
           <a:xfrm>
-            <a:off x="5529943" y="5413829"/>
+            <a:off x="4589417" y="5413828"/>
             <a:ext cx="1313821" cy="1138773"/>
           </a:xfrm>
           <a:prstGeom prst="rect">
@@ -14563,7 +14557,6 @@
               <a:rPr lang="es-ES" sz="1700" dirty="0" smtClean="0"/>
               <a:t>432 Gray</a:t>
             </a:r>
-            <a:endParaRPr lang="es-ES" sz="1700" dirty="0" smtClean="0"/>
           </a:p>
           <a:p>
             <a:pPr marL="285750" indent="-285750">
@@ -14602,7 +14595,7 @@
         </p:nvSpPr>
         <p:spPr>
           <a:xfrm>
-            <a:off x="7217453" y="5413828"/>
+            <a:off x="6493665" y="5413828"/>
             <a:ext cx="1915396" cy="615553"/>
           </a:xfrm>
           <a:prstGeom prst="rect">
@@ -14780,15 +14773,7 @@
             <a:pPr lvl="1"/>
             <a:r>
               <a:rPr lang="en-GB" dirty="0" smtClean="0"/>
-              <a:t>Small datasets might </a:t>
-            </a:r>
-            <a:r>
-              <a:rPr lang="en-GB" dirty="0" smtClean="0"/>
-              <a:t>prove insufficient </a:t>
-            </a:r>
-            <a:r>
-              <a:rPr lang="en-GB" dirty="0" smtClean="0"/>
-              <a:t>and cause the net to misclassify</a:t>
+              <a:t>Small datasets might prove insufficient and cause the net to misclassify</a:t>
             </a:r>
           </a:p>
           <a:p>
